--- a/Presentations/1.1 JD+_Overview.pptx
+++ b/Presentations/1.1 JD+_Overview.pptx
@@ -5,10 +5,10 @@
     <p:sldMasterId id="2147483717" r:id="rId1"/>
   </p:sldMasterIdLst>
   <p:notesMasterIdLst>
-    <p:notesMasterId r:id="rId13"/>
+    <p:notesMasterId r:id="rId11"/>
   </p:notesMasterIdLst>
   <p:handoutMasterIdLst>
-    <p:handoutMasterId r:id="rId14"/>
+    <p:handoutMasterId r:id="rId12"/>
   </p:handoutMasterIdLst>
   <p:sldIdLst>
     <p:sldId id="425" r:id="rId2"/>
@@ -17,11 +17,9 @@
     <p:sldId id="416" r:id="rId5"/>
     <p:sldId id="411" r:id="rId6"/>
     <p:sldId id="412" r:id="rId7"/>
-    <p:sldId id="423" r:id="rId8"/>
-    <p:sldId id="424" r:id="rId9"/>
-    <p:sldId id="403" r:id="rId10"/>
-    <p:sldId id="409" r:id="rId11"/>
-    <p:sldId id="418" r:id="rId12"/>
+    <p:sldId id="424" r:id="rId8"/>
+    <p:sldId id="403" r:id="rId9"/>
+    <p:sldId id="418" r:id="rId10"/>
   </p:sldIdLst>
   <p:sldSz cx="9144000" cy="6858000" type="screen4x3"/>
   <p:notesSz cx="6794500" cy="9931400"/>
@@ -4657,1765 +4655,6 @@
 </p:sld>
 </file>
 
-<file path=ppt/slides/slide10.xml><?xml version="1.0" encoding="utf-8"?>
-<p:sld xmlns:a="http://schemas.openxmlformats.org/drawingml/2006/main" xmlns:r="http://schemas.openxmlformats.org/officeDocument/2006/relationships" xmlns:p="http://schemas.openxmlformats.org/presentationml/2006/main">
-  <p:cSld>
-    <p:spTree>
-      <p:nvGrpSpPr>
-        <p:cNvPr id="1" name=""/>
-        <p:cNvGrpSpPr/>
-        <p:nvPr/>
-      </p:nvGrpSpPr>
-      <p:grpSpPr>
-        <a:xfrm>
-          <a:off x="0" y="0"/>
-          <a:ext cx="0" cy="0"/>
-          <a:chOff x="0" y="0"/>
-          <a:chExt cx="0" cy="0"/>
-        </a:xfrm>
-      </p:grpSpPr>
-      <p:sp>
-        <p:nvSpPr>
-          <p:cNvPr id="2" name="Title 1"/>
-          <p:cNvSpPr>
-            <a:spLocks noGrp="1"/>
-          </p:cNvSpPr>
-          <p:nvPr>
-            <p:ph type="title"/>
-          </p:nvPr>
-        </p:nvSpPr>
-        <p:spPr/>
-        <p:txBody>
-          <a:bodyPr/>
-          <a:lstStyle/>
-          <a:p>
-            <a:r>
-              <a:rPr lang="en-GB" b="0" dirty="0"/>
-              <a:t>REGARIMA modelling</a:t>
-            </a:r>
-          </a:p>
-        </p:txBody>
-      </p:sp>
-      <p:sp>
-        <p:nvSpPr>
-          <p:cNvPr id="3" name="Content Placeholder 2"/>
-          <p:cNvSpPr>
-            <a:spLocks noGrp="1"/>
-          </p:cNvSpPr>
-          <p:nvPr>
-            <p:ph idx="1"/>
-          </p:nvPr>
-        </p:nvSpPr>
-        <p:spPr>
-          <a:xfrm>
-            <a:off x="3491880" y="1628800"/>
-            <a:ext cx="5334620" cy="4680520"/>
-          </a:xfrm>
-        </p:spPr>
-        <p:txBody>
-          <a:bodyPr>
-            <a:normAutofit lnSpcReduction="10000"/>
-          </a:bodyPr>
-          <a:lstStyle/>
-          <a:p>
-            <a:r>
-              <a:rPr lang="en-GB" sz="1800" dirty="0"/>
-              <a:t>Common definitions for Calendar variables, outliers, intervention variables, user variables...</a:t>
-            </a:r>
-          </a:p>
-          <a:p>
-            <a:endParaRPr lang="en-GB" dirty="0"/>
-          </a:p>
-          <a:p>
-            <a:r>
-              <a:rPr lang="en-GB" sz="1800" dirty="0"/>
-              <a:t>Algorithms for likelihood estimation</a:t>
-            </a:r>
-          </a:p>
-          <a:p>
-            <a:pPr lvl="1"/>
-            <a:r>
-              <a:rPr lang="en-GB" sz="1600" dirty="0" err="1"/>
-              <a:t>Kalman</a:t>
-            </a:r>
-            <a:r>
-              <a:rPr lang="en-GB" sz="1600" dirty="0"/>
-              <a:t> filter </a:t>
-            </a:r>
-            <a:r>
-              <a:rPr lang="en-GB" sz="1200" dirty="0"/>
-              <a:t>(</a:t>
-            </a:r>
-            <a:r>
-              <a:rPr lang="en-GB" sz="1200" dirty="0" err="1"/>
-              <a:t>Tramo</a:t>
-            </a:r>
-            <a:r>
-              <a:rPr lang="en-GB" sz="1200" dirty="0"/>
-              <a:t>-like)</a:t>
-            </a:r>
-            <a:r>
-              <a:rPr lang="en-GB" sz="1600" dirty="0"/>
-              <a:t>, </a:t>
-            </a:r>
-          </a:p>
-          <a:p>
-            <a:pPr lvl="1"/>
-            <a:r>
-              <a:rPr lang="en-GB" sz="1600" dirty="0" err="1"/>
-              <a:t>Ansley</a:t>
-            </a:r>
-            <a:r>
-              <a:rPr lang="en-GB" sz="1600" dirty="0"/>
-              <a:t> algorithm </a:t>
-            </a:r>
-            <a:r>
-              <a:rPr lang="en-GB" sz="1200" dirty="0"/>
-              <a:t>(</a:t>
-            </a:r>
-            <a:r>
-              <a:rPr lang="en-GB" sz="1200" dirty="0" err="1"/>
-              <a:t>Cholesky</a:t>
-            </a:r>
-            <a:r>
-              <a:rPr lang="en-GB" sz="1200" dirty="0"/>
-              <a:t> on banded matrix)</a:t>
-            </a:r>
-            <a:endParaRPr lang="en-GB" sz="1600" dirty="0"/>
-          </a:p>
-          <a:p>
-            <a:pPr lvl="1"/>
-            <a:r>
-              <a:rPr lang="en-GB" sz="1600" dirty="0"/>
-              <a:t>(modified) </a:t>
-            </a:r>
-            <a:r>
-              <a:rPr lang="en-GB" sz="1600" dirty="0" err="1"/>
-              <a:t>Ljung</a:t>
-            </a:r>
-            <a:r>
-              <a:rPr lang="en-GB" sz="1600" dirty="0"/>
-              <a:t>-Box algorithm </a:t>
-            </a:r>
-            <a:r>
-              <a:rPr lang="en-GB" sz="1200" dirty="0"/>
-              <a:t>(X12-like)</a:t>
-            </a:r>
-          </a:p>
-          <a:p>
-            <a:r>
-              <a:rPr lang="en-GB" sz="1800" dirty="0"/>
-              <a:t>Equivalent results, different performances </a:t>
-            </a:r>
-          </a:p>
-          <a:p>
-            <a:r>
-              <a:rPr lang="en-GB" sz="1800" dirty="0"/>
-              <a:t>JD+ uses </a:t>
-            </a:r>
-            <a:r>
-              <a:rPr lang="en-GB" sz="1800" dirty="0" err="1"/>
-              <a:t>Kalman</a:t>
-            </a:r>
-            <a:r>
-              <a:rPr lang="en-GB" sz="1800" dirty="0"/>
-              <a:t> filter </a:t>
-            </a:r>
-          </a:p>
-          <a:p>
-            <a:pPr lvl="1"/>
-            <a:r>
-              <a:rPr lang="en-GB" sz="1600" dirty="0"/>
-              <a:t>Up to 4 x faster than </a:t>
-            </a:r>
-            <a:r>
-              <a:rPr lang="en-GB" sz="1600" dirty="0" err="1"/>
-              <a:t>Ljung</a:t>
-            </a:r>
-            <a:r>
-              <a:rPr lang="en-GB" sz="1600" dirty="0"/>
-              <a:t>-Box</a:t>
-            </a:r>
-          </a:p>
-          <a:p>
-            <a:pPr lvl="1"/>
-            <a:r>
-              <a:rPr lang="en-GB" sz="1600" dirty="0" err="1"/>
-              <a:t>Ansley</a:t>
-            </a:r>
-            <a:r>
-              <a:rPr lang="en-GB" sz="1600" dirty="0"/>
-              <a:t> in specific cases (outliers detection)</a:t>
-            </a:r>
-          </a:p>
-          <a:p>
-            <a:endParaRPr lang="en-GB" sz="1800" dirty="0"/>
-          </a:p>
-          <a:p>
-            <a:r>
-              <a:rPr lang="en-GB" sz="1800" dirty="0"/>
-              <a:t>Optimization procedure</a:t>
-            </a:r>
-          </a:p>
-          <a:p>
-            <a:pPr lvl="1"/>
-            <a:r>
-              <a:rPr lang="en-GB" sz="1600" dirty="0" err="1"/>
-              <a:t>Levenberg</a:t>
-            </a:r>
-            <a:r>
-              <a:rPr lang="en-GB" sz="1600" dirty="0"/>
-              <a:t>-Marquardt. </a:t>
-            </a:r>
-            <a:r>
-              <a:rPr lang="en-GB" sz="1600" dirty="0" err="1"/>
-              <a:t>Tramo</a:t>
-            </a:r>
-            <a:r>
-              <a:rPr lang="en-GB" sz="1600" dirty="0"/>
-              <a:t>-Seats, X12 and JD+ use slightly different variants.</a:t>
-            </a:r>
-          </a:p>
-        </p:txBody>
-      </p:sp>
-      <p:sp>
-        <p:nvSpPr>
-          <p:cNvPr id="4" name="Rectangle 3"/>
-          <p:cNvSpPr/>
-          <p:nvPr/>
-        </p:nvSpPr>
-        <p:spPr bwMode="auto">
-          <a:xfrm>
-            <a:off x="467544" y="1628800"/>
-            <a:ext cx="2232248" cy="864096"/>
-          </a:xfrm>
-          <a:prstGeom prst="rect">
-            <a:avLst/>
-          </a:prstGeom>
-          <a:solidFill>
-            <a:schemeClr val="accent1"/>
-          </a:solidFill>
-          <a:ln w="9525" cap="flat" cmpd="sng" algn="ctr">
-            <a:solidFill>
-              <a:schemeClr val="tx1"/>
-            </a:solidFill>
-            <a:prstDash val="solid"/>
-            <a:round/>
-            <a:headEnd type="none" w="med" len="med"/>
-            <a:tailEnd type="none" w="med" len="med"/>
-          </a:ln>
-          <a:effectLst/>
-        </p:spPr>
-        <p:txBody>
-          <a:bodyPr vert="horz" wrap="square" lIns="91440" tIns="45720" rIns="91440" bIns="45720" numCol="1" rtlCol="0" anchor="t" anchorCtr="0" compatLnSpc="1">
-            <a:prstTxWarp prst="textNoShape">
-              <a:avLst/>
-            </a:prstTxWarp>
-          </a:bodyPr>
-          <a:lstStyle/>
-          <a:p>
-            <a:pPr marL="0" marR="0" indent="0" algn="l" defTabSz="914400" rtl="0" eaLnBrk="0" fontAlgn="base" latinLnBrk="0" hangingPunct="0">
-              <a:lnSpc>
-                <a:spcPct val="100000"/>
-              </a:lnSpc>
-              <a:spcBef>
-                <a:spcPct val="0"/>
-              </a:spcBef>
-              <a:spcAft>
-                <a:spcPct val="0"/>
-              </a:spcAft>
-              <a:buClrTx/>
-              <a:buSzTx/>
-              <a:buFontTx/>
-              <a:buNone/>
-              <a:tabLst/>
-            </a:pPr>
-            <a:r>
-              <a:rPr kumimoji="0" lang="fr-BE" sz="1800" b="0" i="0" u="none" strike="noStrike" cap="none" normalizeH="0" baseline="0" dirty="0">
-                <a:ln>
-                  <a:noFill/>
-                </a:ln>
-                <a:solidFill>
-                  <a:schemeClr val="accent1">
-                    <a:lumMod val="20000"/>
-                    <a:lumOff val="80000"/>
-                  </a:schemeClr>
-                </a:solidFill>
-                <a:effectLst/>
-              </a:rPr>
-              <a:t>Model building</a:t>
-            </a:r>
-          </a:p>
-          <a:p>
-            <a:pPr marL="0" marR="0" indent="0" algn="l" defTabSz="914400" rtl="0" eaLnBrk="0" fontAlgn="base" latinLnBrk="0" hangingPunct="0">
-              <a:lnSpc>
-                <a:spcPct val="100000"/>
-              </a:lnSpc>
-              <a:spcBef>
-                <a:spcPct val="0"/>
-              </a:spcBef>
-              <a:spcAft>
-                <a:spcPct val="0"/>
-              </a:spcAft>
-              <a:buClrTx/>
-              <a:buSzTx/>
-              <a:buFontTx/>
-              <a:buNone/>
-              <a:tabLst/>
-            </a:pPr>
-            <a:r>
-              <a:rPr lang="fr-BE" sz="1800" dirty="0">
-                <a:solidFill>
-                  <a:schemeClr val="accent1">
-                    <a:lumMod val="20000"/>
-                    <a:lumOff val="80000"/>
-                  </a:schemeClr>
-                </a:solidFill>
-              </a:rPr>
-              <a:t>(Reg. variables)</a:t>
-            </a:r>
-            <a:endParaRPr kumimoji="0" lang="nl-BE" sz="1800" b="0" i="0" u="none" strike="noStrike" cap="none" normalizeH="0" baseline="0" dirty="0">
-              <a:ln>
-                <a:noFill/>
-              </a:ln>
-              <a:solidFill>
-                <a:schemeClr val="accent1">
-                  <a:lumMod val="20000"/>
-                  <a:lumOff val="80000"/>
-                </a:schemeClr>
-              </a:solidFill>
-              <a:effectLst/>
-            </a:endParaRPr>
-          </a:p>
-        </p:txBody>
-      </p:sp>
-      <p:sp>
-        <p:nvSpPr>
-          <p:cNvPr id="5" name="Rectangle 4"/>
-          <p:cNvSpPr/>
-          <p:nvPr/>
-        </p:nvSpPr>
-        <p:spPr bwMode="auto">
-          <a:xfrm>
-            <a:off x="467544" y="3284984"/>
-            <a:ext cx="2232248" cy="936104"/>
-          </a:xfrm>
-          <a:prstGeom prst="rect">
-            <a:avLst/>
-          </a:prstGeom>
-          <a:solidFill>
-            <a:schemeClr val="accent1"/>
-          </a:solidFill>
-          <a:ln w="9525" cap="flat" cmpd="sng" algn="ctr">
-            <a:solidFill>
-              <a:schemeClr val="tx1"/>
-            </a:solidFill>
-            <a:prstDash val="solid"/>
-            <a:round/>
-            <a:headEnd type="none" w="med" len="med"/>
-            <a:tailEnd type="none" w="med" len="med"/>
-          </a:ln>
-          <a:effectLst/>
-        </p:spPr>
-        <p:txBody>
-          <a:bodyPr vert="horz" wrap="square" lIns="91440" tIns="45720" rIns="91440" bIns="45720" numCol="1" rtlCol="0" anchor="t" anchorCtr="0" compatLnSpc="1">
-            <a:prstTxWarp prst="textNoShape">
-              <a:avLst/>
-            </a:prstTxWarp>
-          </a:bodyPr>
-          <a:lstStyle/>
-          <a:p>
-            <a:pPr marL="0" marR="0" indent="0" algn="l" defTabSz="914400" rtl="0" eaLnBrk="0" fontAlgn="base" latinLnBrk="0" hangingPunct="0">
-              <a:lnSpc>
-                <a:spcPct val="100000"/>
-              </a:lnSpc>
-              <a:spcBef>
-                <a:spcPct val="0"/>
-              </a:spcBef>
-              <a:spcAft>
-                <a:spcPct val="0"/>
-              </a:spcAft>
-              <a:buClrTx/>
-              <a:buSzTx/>
-              <a:buFontTx/>
-              <a:buNone/>
-              <a:tabLst/>
-            </a:pPr>
-            <a:r>
-              <a:rPr kumimoji="0" lang="en-GB" sz="1800" b="0" i="0" u="none" strike="noStrike" cap="none" normalizeH="0" baseline="0" dirty="0">
-                <a:ln>
-                  <a:noFill/>
-                </a:ln>
-                <a:solidFill>
-                  <a:schemeClr val="accent1">
-                    <a:lumMod val="20000"/>
-                    <a:lumOff val="80000"/>
-                  </a:schemeClr>
-                </a:solidFill>
-                <a:effectLst/>
-                <a:latin typeface="Times New Roman" pitchFamily="18" charset="0"/>
-              </a:rPr>
-              <a:t>Estimation of the model</a:t>
-            </a:r>
-          </a:p>
-          <a:p>
-            <a:pPr marL="0" marR="0" indent="0" algn="l" defTabSz="914400" rtl="0" eaLnBrk="0" fontAlgn="base" latinLnBrk="0" hangingPunct="0">
-              <a:lnSpc>
-                <a:spcPct val="100000"/>
-              </a:lnSpc>
-              <a:spcBef>
-                <a:spcPct val="0"/>
-              </a:spcBef>
-              <a:spcAft>
-                <a:spcPct val="0"/>
-              </a:spcAft>
-              <a:buClrTx/>
-              <a:buSzTx/>
-              <a:buFontTx/>
-              <a:buNone/>
-              <a:tabLst/>
-            </a:pPr>
-            <a:r>
-              <a:rPr lang="en-GB" sz="1800" dirty="0">
-                <a:solidFill>
-                  <a:schemeClr val="accent1">
-                    <a:lumMod val="20000"/>
-                    <a:lumOff val="80000"/>
-                  </a:schemeClr>
-                </a:solidFill>
-              </a:rPr>
-              <a:t>(likelihood, residuals</a:t>
-            </a:r>
-            <a:r>
-              <a:rPr lang="fr-BE" sz="1800" dirty="0">
-                <a:solidFill>
-                  <a:schemeClr val="accent1">
-                    <a:lumMod val="20000"/>
-                    <a:lumOff val="80000"/>
-                  </a:schemeClr>
-                </a:solidFill>
-              </a:rPr>
-              <a:t>)</a:t>
-            </a:r>
-            <a:endParaRPr kumimoji="0" lang="nl-BE" sz="1800" b="0" i="0" u="none" strike="noStrike" cap="none" normalizeH="0" baseline="0" dirty="0">
-              <a:ln>
-                <a:noFill/>
-              </a:ln>
-              <a:solidFill>
-                <a:schemeClr val="accent1">
-                  <a:lumMod val="20000"/>
-                  <a:lumOff val="80000"/>
-                </a:schemeClr>
-              </a:solidFill>
-              <a:effectLst/>
-            </a:endParaRPr>
-          </a:p>
-        </p:txBody>
-      </p:sp>
-      <p:sp>
-        <p:nvSpPr>
-          <p:cNvPr id="6" name="Rectangle 5"/>
-          <p:cNvSpPr/>
-          <p:nvPr/>
-        </p:nvSpPr>
-        <p:spPr bwMode="auto">
-          <a:xfrm>
-            <a:off x="467544" y="5157192"/>
-            <a:ext cx="2232248" cy="864096"/>
-          </a:xfrm>
-          <a:prstGeom prst="rect">
-            <a:avLst/>
-          </a:prstGeom>
-          <a:solidFill>
-            <a:schemeClr val="accent1"/>
-          </a:solidFill>
-          <a:ln w="9525" cap="flat" cmpd="sng" algn="ctr">
-            <a:solidFill>
-              <a:schemeClr val="tx1"/>
-            </a:solidFill>
-            <a:prstDash val="solid"/>
-            <a:round/>
-            <a:headEnd type="none" w="med" len="med"/>
-            <a:tailEnd type="none" w="med" len="med"/>
-          </a:ln>
-          <a:effectLst/>
-        </p:spPr>
-        <p:txBody>
-          <a:bodyPr vert="horz" wrap="square" lIns="91440" tIns="45720" rIns="91440" bIns="45720" numCol="1" rtlCol="0" anchor="t" anchorCtr="0" compatLnSpc="1">
-            <a:prstTxWarp prst="textNoShape">
-              <a:avLst/>
-            </a:prstTxWarp>
-          </a:bodyPr>
-          <a:lstStyle/>
-          <a:p>
-            <a:pPr marL="0" marR="0" indent="0" algn="l" defTabSz="914400" rtl="0" eaLnBrk="0" fontAlgn="base" latinLnBrk="0" hangingPunct="0">
-              <a:lnSpc>
-                <a:spcPct val="100000"/>
-              </a:lnSpc>
-              <a:spcBef>
-                <a:spcPct val="0"/>
-              </a:spcBef>
-              <a:spcAft>
-                <a:spcPct val="0"/>
-              </a:spcAft>
-              <a:buClrTx/>
-              <a:buSzTx/>
-              <a:buFontTx/>
-              <a:buNone/>
-              <a:tabLst/>
-            </a:pPr>
-            <a:r>
-              <a:rPr lang="en-GB" sz="1800" dirty="0">
-                <a:solidFill>
-                  <a:schemeClr val="accent1">
-                    <a:lumMod val="20000"/>
-                    <a:lumOff val="80000"/>
-                  </a:schemeClr>
-                </a:solidFill>
-              </a:rPr>
-              <a:t>E</a:t>
-            </a:r>
-            <a:r>
-              <a:rPr kumimoji="0" lang="en-GB" sz="1800" b="0" i="0" u="none" strike="noStrike" cap="none" normalizeH="0" baseline="0" dirty="0">
-                <a:ln>
-                  <a:noFill/>
-                </a:ln>
-                <a:solidFill>
-                  <a:schemeClr val="accent1">
-                    <a:lumMod val="20000"/>
-                    <a:lumOff val="80000"/>
-                  </a:schemeClr>
-                </a:solidFill>
-                <a:effectLst/>
-              </a:rPr>
-              <a:t>stimation of the parameters (by</a:t>
-            </a:r>
-            <a:r>
-              <a:rPr kumimoji="0" lang="en-GB" sz="1800" b="0" i="0" u="none" strike="noStrike" cap="none" normalizeH="0" dirty="0">
-                <a:ln>
-                  <a:noFill/>
-                </a:ln>
-                <a:solidFill>
-                  <a:schemeClr val="accent1">
-                    <a:lumMod val="20000"/>
-                    <a:lumOff val="80000"/>
-                  </a:schemeClr>
-                </a:solidFill>
-                <a:effectLst/>
-              </a:rPr>
-              <a:t> ML</a:t>
-            </a:r>
-            <a:r>
-              <a:rPr lang="en-GB" sz="1800" dirty="0">
-                <a:solidFill>
-                  <a:schemeClr val="accent1">
-                    <a:lumMod val="20000"/>
-                    <a:lumOff val="80000"/>
-                  </a:schemeClr>
-                </a:solidFill>
-              </a:rPr>
-              <a:t>)</a:t>
-            </a:r>
-            <a:endParaRPr kumimoji="0" lang="en-GB" sz="1800" b="0" i="0" u="none" strike="noStrike" cap="none" normalizeH="0" baseline="0" dirty="0">
-              <a:ln>
-                <a:noFill/>
-              </a:ln>
-              <a:solidFill>
-                <a:schemeClr val="accent1">
-                  <a:lumMod val="20000"/>
-                  <a:lumOff val="80000"/>
-                </a:schemeClr>
-              </a:solidFill>
-              <a:effectLst/>
-            </a:endParaRPr>
-          </a:p>
-        </p:txBody>
-      </p:sp>
-      <p:cxnSp>
-        <p:nvCxnSpPr>
-          <p:cNvPr id="8" name="Straight Arrow Connector 7"/>
-          <p:cNvCxnSpPr>
-            <a:stCxn id="5" idx="0"/>
-            <a:endCxn id="4" idx="2"/>
-          </p:cNvCxnSpPr>
-          <p:nvPr/>
-        </p:nvCxnSpPr>
-        <p:spPr bwMode="auto">
-          <a:xfrm flipV="1">
-            <a:off x="1583668" y="2492896"/>
-            <a:ext cx="0" cy="792088"/>
-          </a:xfrm>
-          <a:prstGeom prst="straightConnector1">
-            <a:avLst/>
-          </a:prstGeom>
-          <a:solidFill>
-            <a:schemeClr val="accent1"/>
-          </a:solidFill>
-          <a:ln w="9525" cap="flat" cmpd="sng" algn="ctr">
-            <a:solidFill>
-              <a:schemeClr val="tx1"/>
-            </a:solidFill>
-            <a:prstDash val="solid"/>
-            <a:round/>
-            <a:headEnd type="none" w="med" len="med"/>
-            <a:tailEnd type="arrow"/>
-          </a:ln>
-          <a:effectLst/>
-        </p:spPr>
-      </p:cxnSp>
-      <p:cxnSp>
-        <p:nvCxnSpPr>
-          <p:cNvPr id="10" name="Straight Arrow Connector 9"/>
-          <p:cNvCxnSpPr>
-            <a:stCxn id="6" idx="0"/>
-            <a:endCxn id="5" idx="2"/>
-          </p:cNvCxnSpPr>
-          <p:nvPr/>
-        </p:nvCxnSpPr>
-        <p:spPr bwMode="auto">
-          <a:xfrm flipV="1">
-            <a:off x="1583668" y="4221088"/>
-            <a:ext cx="0" cy="936104"/>
-          </a:xfrm>
-          <a:prstGeom prst="straightConnector1">
-            <a:avLst/>
-          </a:prstGeom>
-          <a:solidFill>
-            <a:schemeClr val="accent1"/>
-          </a:solidFill>
-          <a:ln w="9525" cap="flat" cmpd="sng" algn="ctr">
-            <a:solidFill>
-              <a:schemeClr val="tx1"/>
-            </a:solidFill>
-            <a:prstDash val="solid"/>
-            <a:round/>
-            <a:headEnd type="none" w="med" len="med"/>
-            <a:tailEnd type="arrow"/>
-          </a:ln>
-          <a:effectLst/>
-        </p:spPr>
-      </p:cxnSp>
-      <p:sp>
-        <p:nvSpPr>
-          <p:cNvPr id="7" name="Date Placeholder 6"/>
-          <p:cNvSpPr>
-            <a:spLocks noGrp="1"/>
-          </p:cNvSpPr>
-          <p:nvPr>
-            <p:ph type="dt" sz="half" idx="10"/>
-          </p:nvPr>
-        </p:nvSpPr>
-        <p:spPr/>
-        <p:txBody>
-          <a:bodyPr/>
-          <a:lstStyle/>
-          <a:p>
-            <a:r>
-              <a:rPr lang="fr-FR"/>
-              <a:t>17-19/10/2023</a:t>
-            </a:r>
-            <a:endParaRPr lang="en-US"/>
-          </a:p>
-        </p:txBody>
-      </p:sp>
-      <p:sp>
-        <p:nvSpPr>
-          <p:cNvPr id="9" name="Footer Placeholder 8"/>
-          <p:cNvSpPr>
-            <a:spLocks noGrp="1"/>
-          </p:cNvSpPr>
-          <p:nvPr>
-            <p:ph type="ftr" sz="quarter" idx="11"/>
-          </p:nvPr>
-        </p:nvSpPr>
-        <p:spPr/>
-        <p:txBody>
-          <a:bodyPr/>
-          <a:lstStyle/>
-          <a:p>
-            <a:r>
-              <a:rPr lang="en-US"/>
-              <a:t>ESTP Training. JD+ Overview</a:t>
-            </a:r>
-          </a:p>
-        </p:txBody>
-      </p:sp>
-      <p:sp>
-        <p:nvSpPr>
-          <p:cNvPr id="11" name="Slide Number Placeholder 10"/>
-          <p:cNvSpPr>
-            <a:spLocks noGrp="1"/>
-          </p:cNvSpPr>
-          <p:nvPr>
-            <p:ph type="sldNum" sz="quarter" idx="12"/>
-          </p:nvPr>
-        </p:nvSpPr>
-        <p:spPr/>
-        <p:txBody>
-          <a:bodyPr/>
-          <a:lstStyle/>
-          <a:p>
-            <a:fld id="{627CDA0C-01AE-4E2F-8829-AAF8EAAF9DB3}" type="slidenum">
-              <a:rPr lang="en-US" smtClean="0"/>
-              <a:t>10</a:t>
-            </a:fld>
-            <a:endParaRPr lang="en-US"/>
-          </a:p>
-        </p:txBody>
-      </p:sp>
-    </p:spTree>
-    <p:extLst>
-      <p:ext uri="{BB962C8B-B14F-4D97-AF65-F5344CB8AC3E}">
-        <p14:creationId xmlns:p14="http://schemas.microsoft.com/office/powerpoint/2010/main" val="2071168322"/>
-      </p:ext>
-    </p:extLst>
-  </p:cSld>
-  <p:clrMapOvr>
-    <a:masterClrMapping/>
-  </p:clrMapOvr>
-  <p:timing>
-    <p:tnLst>
-      <p:par>
-        <p:cTn id="1" dur="indefinite" restart="never" nodeType="tmRoot">
-          <p:childTnLst>
-            <p:seq concurrent="1" nextAc="seek">
-              <p:cTn id="2" dur="indefinite" nodeType="mainSeq">
-                <p:childTnLst>
-                  <p:par>
-                    <p:cTn id="3" fill="hold">
-                      <p:stCondLst>
-                        <p:cond delay="indefinite"/>
-                      </p:stCondLst>
-                      <p:childTnLst>
-                        <p:par>
-                          <p:cTn id="4" fill="hold">
-                            <p:stCondLst>
-                              <p:cond delay="0"/>
-                            </p:stCondLst>
-                            <p:childTnLst>
-                              <p:par>
-                                <p:cTn id="5" presetID="1" presetClass="entr" presetSubtype="0" fill="hold" grpId="0" nodeType="clickEffect">
-                                  <p:stCondLst>
-                                    <p:cond delay="0"/>
-                                  </p:stCondLst>
-                                  <p:childTnLst>
-                                    <p:set>
-                                      <p:cBhvr>
-                                        <p:cTn id="6" dur="1" fill="hold">
-                                          <p:stCondLst>
-                                            <p:cond delay="0"/>
-                                          </p:stCondLst>
-                                        </p:cTn>
-                                        <p:tgtEl>
-                                          <p:spTgt spid="4"/>
-                                        </p:tgtEl>
-                                        <p:attrNameLst>
-                                          <p:attrName>style.visibility</p:attrName>
-                                        </p:attrNameLst>
-                                      </p:cBhvr>
-                                      <p:to>
-                                        <p:strVal val="visible"/>
-                                      </p:to>
-                                    </p:set>
-                                  </p:childTnLst>
-                                </p:cTn>
-                              </p:par>
-                            </p:childTnLst>
-                          </p:cTn>
-                        </p:par>
-                      </p:childTnLst>
-                    </p:cTn>
-                  </p:par>
-                  <p:par>
-                    <p:cTn id="7" fill="hold">
-                      <p:stCondLst>
-                        <p:cond delay="indefinite"/>
-                      </p:stCondLst>
-                      <p:childTnLst>
-                        <p:par>
-                          <p:cTn id="8" fill="hold">
-                            <p:stCondLst>
-                              <p:cond delay="0"/>
-                            </p:stCondLst>
-                            <p:childTnLst>
-                              <p:par>
-                                <p:cTn id="9" presetID="1" presetClass="entr" presetSubtype="0" fill="hold" grpId="0" nodeType="clickEffect">
-                                  <p:stCondLst>
-                                    <p:cond delay="0"/>
-                                  </p:stCondLst>
-                                  <p:childTnLst>
-                                    <p:set>
-                                      <p:cBhvr>
-                                        <p:cTn id="10" dur="1" fill="hold">
-                                          <p:stCondLst>
-                                            <p:cond delay="0"/>
-                                          </p:stCondLst>
-                                        </p:cTn>
-                                        <p:tgtEl>
-                                          <p:spTgt spid="5"/>
-                                        </p:tgtEl>
-                                        <p:attrNameLst>
-                                          <p:attrName>style.visibility</p:attrName>
-                                        </p:attrNameLst>
-                                      </p:cBhvr>
-                                      <p:to>
-                                        <p:strVal val="visible"/>
-                                      </p:to>
-                                    </p:set>
-                                  </p:childTnLst>
-                                </p:cTn>
-                              </p:par>
-                            </p:childTnLst>
-                          </p:cTn>
-                        </p:par>
-                      </p:childTnLst>
-                    </p:cTn>
-                  </p:par>
-                  <p:par>
-                    <p:cTn id="11" fill="hold">
-                      <p:stCondLst>
-                        <p:cond delay="indefinite"/>
-                      </p:stCondLst>
-                      <p:childTnLst>
-                        <p:par>
-                          <p:cTn id="12" fill="hold">
-                            <p:stCondLst>
-                              <p:cond delay="0"/>
-                            </p:stCondLst>
-                            <p:childTnLst>
-                              <p:par>
-                                <p:cTn id="13" presetID="1" presetClass="entr" presetSubtype="0" fill="hold" nodeType="clickEffect">
-                                  <p:stCondLst>
-                                    <p:cond delay="0"/>
-                                  </p:stCondLst>
-                                  <p:childTnLst>
-                                    <p:set>
-                                      <p:cBhvr>
-                                        <p:cTn id="14" dur="1" fill="hold">
-                                          <p:stCondLst>
-                                            <p:cond delay="0"/>
-                                          </p:stCondLst>
-                                        </p:cTn>
-                                        <p:tgtEl>
-                                          <p:spTgt spid="8"/>
-                                        </p:tgtEl>
-                                        <p:attrNameLst>
-                                          <p:attrName>style.visibility</p:attrName>
-                                        </p:attrNameLst>
-                                      </p:cBhvr>
-                                      <p:to>
-                                        <p:strVal val="visible"/>
-                                      </p:to>
-                                    </p:set>
-                                  </p:childTnLst>
-                                </p:cTn>
-                              </p:par>
-                            </p:childTnLst>
-                          </p:cTn>
-                        </p:par>
-                      </p:childTnLst>
-                    </p:cTn>
-                  </p:par>
-                  <p:par>
-                    <p:cTn id="15" fill="hold">
-                      <p:stCondLst>
-                        <p:cond delay="indefinite"/>
-                      </p:stCondLst>
-                      <p:childTnLst>
-                        <p:par>
-                          <p:cTn id="16" fill="hold">
-                            <p:stCondLst>
-                              <p:cond delay="0"/>
-                            </p:stCondLst>
-                            <p:childTnLst>
-                              <p:par>
-                                <p:cTn id="17" presetID="1" presetClass="entr" presetSubtype="0" fill="hold" grpId="0" nodeType="clickEffect">
-                                  <p:stCondLst>
-                                    <p:cond delay="0"/>
-                                  </p:stCondLst>
-                                  <p:childTnLst>
-                                    <p:set>
-                                      <p:cBhvr>
-                                        <p:cTn id="18" dur="1" fill="hold">
-                                          <p:stCondLst>
-                                            <p:cond delay="0"/>
-                                          </p:stCondLst>
-                                        </p:cTn>
-                                        <p:tgtEl>
-                                          <p:spTgt spid="6"/>
-                                        </p:tgtEl>
-                                        <p:attrNameLst>
-                                          <p:attrName>style.visibility</p:attrName>
-                                        </p:attrNameLst>
-                                      </p:cBhvr>
-                                      <p:to>
-                                        <p:strVal val="visible"/>
-                                      </p:to>
-                                    </p:set>
-                                  </p:childTnLst>
-                                </p:cTn>
-                              </p:par>
-                            </p:childTnLst>
-                          </p:cTn>
-                        </p:par>
-                      </p:childTnLst>
-                    </p:cTn>
-                  </p:par>
-                  <p:par>
-                    <p:cTn id="19" fill="hold">
-                      <p:stCondLst>
-                        <p:cond delay="indefinite"/>
-                      </p:stCondLst>
-                      <p:childTnLst>
-                        <p:par>
-                          <p:cTn id="20" fill="hold">
-                            <p:stCondLst>
-                              <p:cond delay="0"/>
-                            </p:stCondLst>
-                            <p:childTnLst>
-                              <p:par>
-                                <p:cTn id="21" presetID="1" presetClass="entr" presetSubtype="0" fill="hold" nodeType="clickEffect">
-                                  <p:stCondLst>
-                                    <p:cond delay="0"/>
-                                  </p:stCondLst>
-                                  <p:childTnLst>
-                                    <p:set>
-                                      <p:cBhvr>
-                                        <p:cTn id="22" dur="1" fill="hold">
-                                          <p:stCondLst>
-                                            <p:cond delay="0"/>
-                                          </p:stCondLst>
-                                        </p:cTn>
-                                        <p:tgtEl>
-                                          <p:spTgt spid="10"/>
-                                        </p:tgtEl>
-                                        <p:attrNameLst>
-                                          <p:attrName>style.visibility</p:attrName>
-                                        </p:attrNameLst>
-                                      </p:cBhvr>
-                                      <p:to>
-                                        <p:strVal val="visible"/>
-                                      </p:to>
-                                    </p:set>
-                                  </p:childTnLst>
-                                </p:cTn>
-                              </p:par>
-                            </p:childTnLst>
-                          </p:cTn>
-                        </p:par>
-                      </p:childTnLst>
-                    </p:cTn>
-                  </p:par>
-                  <p:par>
-                    <p:cTn id="23" fill="hold">
-                      <p:stCondLst>
-                        <p:cond delay="indefinite"/>
-                      </p:stCondLst>
-                      <p:childTnLst>
-                        <p:par>
-                          <p:cTn id="24" fill="hold">
-                            <p:stCondLst>
-                              <p:cond delay="0"/>
-                            </p:stCondLst>
-                            <p:childTnLst>
-                              <p:par>
-                                <p:cTn id="25" presetID="1" presetClass="entr" presetSubtype="0" fill="hold" grpId="0" nodeType="clickEffect">
-                                  <p:stCondLst>
-                                    <p:cond delay="0"/>
-                                  </p:stCondLst>
-                                  <p:childTnLst>
-                                    <p:set>
-                                      <p:cBhvr>
-                                        <p:cTn id="26" dur="1" fill="hold">
-                                          <p:stCondLst>
-                                            <p:cond delay="0"/>
-                                          </p:stCondLst>
-                                        </p:cTn>
-                                        <p:tgtEl>
-                                          <p:spTgt spid="3">
-                                            <p:txEl>
-                                              <p:pRg st="0" end="0"/>
-                                            </p:txEl>
-                                          </p:spTgt>
-                                        </p:tgtEl>
-                                        <p:attrNameLst>
-                                          <p:attrName>style.visibility</p:attrName>
-                                        </p:attrNameLst>
-                                      </p:cBhvr>
-                                      <p:to>
-                                        <p:strVal val="visible"/>
-                                      </p:to>
-                                    </p:set>
-                                  </p:childTnLst>
-                                </p:cTn>
-                              </p:par>
-                            </p:childTnLst>
-                          </p:cTn>
-                        </p:par>
-                      </p:childTnLst>
-                    </p:cTn>
-                  </p:par>
-                  <p:par>
-                    <p:cTn id="27" fill="hold">
-                      <p:stCondLst>
-                        <p:cond delay="indefinite"/>
-                      </p:stCondLst>
-                      <p:childTnLst>
-                        <p:par>
-                          <p:cTn id="28" fill="hold">
-                            <p:stCondLst>
-                              <p:cond delay="0"/>
-                            </p:stCondLst>
-                            <p:childTnLst>
-                              <p:par>
-                                <p:cTn id="29" presetID="1" presetClass="entr" presetSubtype="0" fill="hold" grpId="0" nodeType="clickEffect">
-                                  <p:stCondLst>
-                                    <p:cond delay="0"/>
-                                  </p:stCondLst>
-                                  <p:childTnLst>
-                                    <p:set>
-                                      <p:cBhvr>
-                                        <p:cTn id="30" dur="1" fill="hold">
-                                          <p:stCondLst>
-                                            <p:cond delay="0"/>
-                                          </p:stCondLst>
-                                        </p:cTn>
-                                        <p:tgtEl>
-                                          <p:spTgt spid="3">
-                                            <p:txEl>
-                                              <p:pRg st="2" end="2"/>
-                                            </p:txEl>
-                                          </p:spTgt>
-                                        </p:tgtEl>
-                                        <p:attrNameLst>
-                                          <p:attrName>style.visibility</p:attrName>
-                                        </p:attrNameLst>
-                                      </p:cBhvr>
-                                      <p:to>
-                                        <p:strVal val="visible"/>
-                                      </p:to>
-                                    </p:set>
-                                  </p:childTnLst>
-                                </p:cTn>
-                              </p:par>
-                              <p:par>
-                                <p:cTn id="31" presetID="1" presetClass="entr" presetSubtype="0" fill="hold" grpId="0" nodeType="withEffect">
-                                  <p:stCondLst>
-                                    <p:cond delay="0"/>
-                                  </p:stCondLst>
-                                  <p:childTnLst>
-                                    <p:set>
-                                      <p:cBhvr>
-                                        <p:cTn id="32" dur="1" fill="hold">
-                                          <p:stCondLst>
-                                            <p:cond delay="0"/>
-                                          </p:stCondLst>
-                                        </p:cTn>
-                                        <p:tgtEl>
-                                          <p:spTgt spid="3">
-                                            <p:txEl>
-                                              <p:pRg st="3" end="3"/>
-                                            </p:txEl>
-                                          </p:spTgt>
-                                        </p:tgtEl>
-                                        <p:attrNameLst>
-                                          <p:attrName>style.visibility</p:attrName>
-                                        </p:attrNameLst>
-                                      </p:cBhvr>
-                                      <p:to>
-                                        <p:strVal val="visible"/>
-                                      </p:to>
-                                    </p:set>
-                                  </p:childTnLst>
-                                </p:cTn>
-                              </p:par>
-                              <p:par>
-                                <p:cTn id="33" presetID="1" presetClass="entr" presetSubtype="0" fill="hold" grpId="0" nodeType="withEffect">
-                                  <p:stCondLst>
-                                    <p:cond delay="0"/>
-                                  </p:stCondLst>
-                                  <p:childTnLst>
-                                    <p:set>
-                                      <p:cBhvr>
-                                        <p:cTn id="34" dur="1" fill="hold">
-                                          <p:stCondLst>
-                                            <p:cond delay="0"/>
-                                          </p:stCondLst>
-                                        </p:cTn>
-                                        <p:tgtEl>
-                                          <p:spTgt spid="3">
-                                            <p:txEl>
-                                              <p:pRg st="4" end="4"/>
-                                            </p:txEl>
-                                          </p:spTgt>
-                                        </p:tgtEl>
-                                        <p:attrNameLst>
-                                          <p:attrName>style.visibility</p:attrName>
-                                        </p:attrNameLst>
-                                      </p:cBhvr>
-                                      <p:to>
-                                        <p:strVal val="visible"/>
-                                      </p:to>
-                                    </p:set>
-                                  </p:childTnLst>
-                                </p:cTn>
-                              </p:par>
-                              <p:par>
-                                <p:cTn id="35" presetID="1" presetClass="entr" presetSubtype="0" fill="hold" grpId="0" nodeType="withEffect">
-                                  <p:stCondLst>
-                                    <p:cond delay="0"/>
-                                  </p:stCondLst>
-                                  <p:childTnLst>
-                                    <p:set>
-                                      <p:cBhvr>
-                                        <p:cTn id="36" dur="1" fill="hold">
-                                          <p:stCondLst>
-                                            <p:cond delay="0"/>
-                                          </p:stCondLst>
-                                        </p:cTn>
-                                        <p:tgtEl>
-                                          <p:spTgt spid="3">
-                                            <p:txEl>
-                                              <p:pRg st="5" end="5"/>
-                                            </p:txEl>
-                                          </p:spTgt>
-                                        </p:tgtEl>
-                                        <p:attrNameLst>
-                                          <p:attrName>style.visibility</p:attrName>
-                                        </p:attrNameLst>
-                                      </p:cBhvr>
-                                      <p:to>
-                                        <p:strVal val="visible"/>
-                                      </p:to>
-                                    </p:set>
-                                  </p:childTnLst>
-                                </p:cTn>
-                              </p:par>
-                            </p:childTnLst>
-                          </p:cTn>
-                        </p:par>
-                      </p:childTnLst>
-                    </p:cTn>
-                  </p:par>
-                  <p:par>
-                    <p:cTn id="37" fill="hold">
-                      <p:stCondLst>
-                        <p:cond delay="indefinite"/>
-                      </p:stCondLst>
-                      <p:childTnLst>
-                        <p:par>
-                          <p:cTn id="38" fill="hold">
-                            <p:stCondLst>
-                              <p:cond delay="0"/>
-                            </p:stCondLst>
-                            <p:childTnLst>
-                              <p:par>
-                                <p:cTn id="39" presetID="1" presetClass="entr" presetSubtype="0" fill="hold" grpId="0" nodeType="clickEffect">
-                                  <p:stCondLst>
-                                    <p:cond delay="0"/>
-                                  </p:stCondLst>
-                                  <p:childTnLst>
-                                    <p:set>
-                                      <p:cBhvr>
-                                        <p:cTn id="40" dur="1" fill="hold">
-                                          <p:stCondLst>
-                                            <p:cond delay="0"/>
-                                          </p:stCondLst>
-                                        </p:cTn>
-                                        <p:tgtEl>
-                                          <p:spTgt spid="3">
-                                            <p:txEl>
-                                              <p:pRg st="6" end="6"/>
-                                            </p:txEl>
-                                          </p:spTgt>
-                                        </p:tgtEl>
-                                        <p:attrNameLst>
-                                          <p:attrName>style.visibility</p:attrName>
-                                        </p:attrNameLst>
-                                      </p:cBhvr>
-                                      <p:to>
-                                        <p:strVal val="visible"/>
-                                      </p:to>
-                                    </p:set>
-                                  </p:childTnLst>
-                                </p:cTn>
-                              </p:par>
-                            </p:childTnLst>
-                          </p:cTn>
-                        </p:par>
-                      </p:childTnLst>
-                    </p:cTn>
-                  </p:par>
-                  <p:par>
-                    <p:cTn id="41" fill="hold">
-                      <p:stCondLst>
-                        <p:cond delay="indefinite"/>
-                      </p:stCondLst>
-                      <p:childTnLst>
-                        <p:par>
-                          <p:cTn id="42" fill="hold">
-                            <p:stCondLst>
-                              <p:cond delay="0"/>
-                            </p:stCondLst>
-                            <p:childTnLst>
-                              <p:par>
-                                <p:cTn id="43" presetID="1" presetClass="entr" presetSubtype="0" fill="hold" grpId="0" nodeType="clickEffect">
-                                  <p:stCondLst>
-                                    <p:cond delay="0"/>
-                                  </p:stCondLst>
-                                  <p:childTnLst>
-                                    <p:set>
-                                      <p:cBhvr>
-                                        <p:cTn id="44" dur="1" fill="hold">
-                                          <p:stCondLst>
-                                            <p:cond delay="0"/>
-                                          </p:stCondLst>
-                                        </p:cTn>
-                                        <p:tgtEl>
-                                          <p:spTgt spid="3">
-                                            <p:txEl>
-                                              <p:pRg st="7" end="7"/>
-                                            </p:txEl>
-                                          </p:spTgt>
-                                        </p:tgtEl>
-                                        <p:attrNameLst>
-                                          <p:attrName>style.visibility</p:attrName>
-                                        </p:attrNameLst>
-                                      </p:cBhvr>
-                                      <p:to>
-                                        <p:strVal val="visible"/>
-                                      </p:to>
-                                    </p:set>
-                                  </p:childTnLst>
-                                </p:cTn>
-                              </p:par>
-                              <p:par>
-                                <p:cTn id="45" presetID="1" presetClass="entr" presetSubtype="0" fill="hold" grpId="0" nodeType="withEffect">
-                                  <p:stCondLst>
-                                    <p:cond delay="0"/>
-                                  </p:stCondLst>
-                                  <p:childTnLst>
-                                    <p:set>
-                                      <p:cBhvr>
-                                        <p:cTn id="46" dur="1" fill="hold">
-                                          <p:stCondLst>
-                                            <p:cond delay="0"/>
-                                          </p:stCondLst>
-                                        </p:cTn>
-                                        <p:tgtEl>
-                                          <p:spTgt spid="3">
-                                            <p:txEl>
-                                              <p:pRg st="8" end="8"/>
-                                            </p:txEl>
-                                          </p:spTgt>
-                                        </p:tgtEl>
-                                        <p:attrNameLst>
-                                          <p:attrName>style.visibility</p:attrName>
-                                        </p:attrNameLst>
-                                      </p:cBhvr>
-                                      <p:to>
-                                        <p:strVal val="visible"/>
-                                      </p:to>
-                                    </p:set>
-                                  </p:childTnLst>
-                                </p:cTn>
-                              </p:par>
-                              <p:par>
-                                <p:cTn id="47" presetID="1" presetClass="entr" presetSubtype="0" fill="hold" grpId="0" nodeType="withEffect">
-                                  <p:stCondLst>
-                                    <p:cond delay="0"/>
-                                  </p:stCondLst>
-                                  <p:childTnLst>
-                                    <p:set>
-                                      <p:cBhvr>
-                                        <p:cTn id="48" dur="1" fill="hold">
-                                          <p:stCondLst>
-                                            <p:cond delay="0"/>
-                                          </p:stCondLst>
-                                        </p:cTn>
-                                        <p:tgtEl>
-                                          <p:spTgt spid="3">
-                                            <p:txEl>
-                                              <p:pRg st="9" end="9"/>
-                                            </p:txEl>
-                                          </p:spTgt>
-                                        </p:tgtEl>
-                                        <p:attrNameLst>
-                                          <p:attrName>style.visibility</p:attrName>
-                                        </p:attrNameLst>
-                                      </p:cBhvr>
-                                      <p:to>
-                                        <p:strVal val="visible"/>
-                                      </p:to>
-                                    </p:set>
-                                  </p:childTnLst>
-                                </p:cTn>
-                              </p:par>
-                            </p:childTnLst>
-                          </p:cTn>
-                        </p:par>
-                      </p:childTnLst>
-                    </p:cTn>
-                  </p:par>
-                  <p:par>
-                    <p:cTn id="49" fill="hold">
-                      <p:stCondLst>
-                        <p:cond delay="indefinite"/>
-                      </p:stCondLst>
-                      <p:childTnLst>
-                        <p:par>
-                          <p:cTn id="50" fill="hold">
-                            <p:stCondLst>
-                              <p:cond delay="0"/>
-                            </p:stCondLst>
-                            <p:childTnLst>
-                              <p:par>
-                                <p:cTn id="51" presetID="1" presetClass="entr" presetSubtype="0" fill="hold" grpId="0" nodeType="clickEffect">
-                                  <p:stCondLst>
-                                    <p:cond delay="0"/>
-                                  </p:stCondLst>
-                                  <p:childTnLst>
-                                    <p:set>
-                                      <p:cBhvr>
-                                        <p:cTn id="52" dur="1" fill="hold">
-                                          <p:stCondLst>
-                                            <p:cond delay="0"/>
-                                          </p:stCondLst>
-                                        </p:cTn>
-                                        <p:tgtEl>
-                                          <p:spTgt spid="3">
-                                            <p:txEl>
-                                              <p:pRg st="11" end="11"/>
-                                            </p:txEl>
-                                          </p:spTgt>
-                                        </p:tgtEl>
-                                        <p:attrNameLst>
-                                          <p:attrName>style.visibility</p:attrName>
-                                        </p:attrNameLst>
-                                      </p:cBhvr>
-                                      <p:to>
-                                        <p:strVal val="visible"/>
-                                      </p:to>
-                                    </p:set>
-                                  </p:childTnLst>
-                                </p:cTn>
-                              </p:par>
-                              <p:par>
-                                <p:cTn id="53" presetID="1" presetClass="entr" presetSubtype="0" fill="hold" grpId="0" nodeType="withEffect">
-                                  <p:stCondLst>
-                                    <p:cond delay="0"/>
-                                  </p:stCondLst>
-                                  <p:childTnLst>
-                                    <p:set>
-                                      <p:cBhvr>
-                                        <p:cTn id="54" dur="1" fill="hold">
-                                          <p:stCondLst>
-                                            <p:cond delay="0"/>
-                                          </p:stCondLst>
-                                        </p:cTn>
-                                        <p:tgtEl>
-                                          <p:spTgt spid="3">
-                                            <p:txEl>
-                                              <p:pRg st="12" end="12"/>
-                                            </p:txEl>
-                                          </p:spTgt>
-                                        </p:tgtEl>
-                                        <p:attrNameLst>
-                                          <p:attrName>style.visibility</p:attrName>
-                                        </p:attrNameLst>
-                                      </p:cBhvr>
-                                      <p:to>
-                                        <p:strVal val="visible"/>
-                                      </p:to>
-                                    </p:set>
-                                  </p:childTnLst>
-                                </p:cTn>
-                              </p:par>
-                            </p:childTnLst>
-                          </p:cTn>
-                        </p:par>
-                      </p:childTnLst>
-                    </p:cTn>
-                  </p:par>
-                </p:childTnLst>
-              </p:cTn>
-              <p:prevCondLst>
-                <p:cond evt="onPrev" delay="0">
-                  <p:tgtEl>
-                    <p:sldTgt/>
-                  </p:tgtEl>
-                </p:cond>
-              </p:prevCondLst>
-              <p:nextCondLst>
-                <p:cond evt="onNext" delay="0">
-                  <p:tgtEl>
-                    <p:sldTgt/>
-                  </p:tgtEl>
-                </p:cond>
-              </p:nextCondLst>
-            </p:seq>
-          </p:childTnLst>
-        </p:cTn>
-      </p:par>
-    </p:tnLst>
-    <p:bldLst>
-      <p:bldP spid="3" grpId="0" uiExpand="1" build="p"/>
-      <p:bldP spid="4" grpId="0" animBg="1"/>
-      <p:bldP spid="5" grpId="0" animBg="1"/>
-      <p:bldP spid="6" grpId="0" animBg="1"/>
-    </p:bldLst>
-  </p:timing>
-</p:sld>
-</file>
-
-<file path=ppt/slides/slide11.xml><?xml version="1.0" encoding="utf-8"?>
-<p:sld xmlns:a="http://schemas.openxmlformats.org/drawingml/2006/main" xmlns:r="http://schemas.openxmlformats.org/officeDocument/2006/relationships" xmlns:p="http://schemas.openxmlformats.org/presentationml/2006/main">
-  <p:cSld>
-    <p:spTree>
-      <p:nvGrpSpPr>
-        <p:cNvPr id="1" name=""/>
-        <p:cNvGrpSpPr/>
-        <p:nvPr/>
-      </p:nvGrpSpPr>
-      <p:grpSpPr>
-        <a:xfrm>
-          <a:off x="0" y="0"/>
-          <a:ext cx="0" cy="0"/>
-          <a:chOff x="0" y="0"/>
-          <a:chExt cx="0" cy="0"/>
-        </a:xfrm>
-      </p:grpSpPr>
-      <p:sp>
-        <p:nvSpPr>
-          <p:cNvPr id="2" name="Title 1"/>
-          <p:cNvSpPr>
-            <a:spLocks noGrp="1"/>
-          </p:cNvSpPr>
-          <p:nvPr>
-            <p:ph type="title"/>
-          </p:nvPr>
-        </p:nvSpPr>
-        <p:spPr/>
-        <p:txBody>
-          <a:bodyPr/>
-          <a:lstStyle/>
-          <a:p>
-            <a:r>
-              <a:rPr lang="en-GB" b="0" dirty="0"/>
-              <a:t>Final remarks</a:t>
-            </a:r>
-          </a:p>
-        </p:txBody>
-      </p:sp>
-      <p:sp>
-        <p:nvSpPr>
-          <p:cNvPr id="3" name="Content Placeholder 2"/>
-          <p:cNvSpPr>
-            <a:spLocks noGrp="1"/>
-          </p:cNvSpPr>
-          <p:nvPr>
-            <p:ph idx="1"/>
-          </p:nvPr>
-        </p:nvSpPr>
-        <p:spPr/>
-        <p:txBody>
-          <a:bodyPr>
-            <a:normAutofit fontScale="85000" lnSpcReduction="20000"/>
-          </a:bodyPr>
-          <a:lstStyle/>
-          <a:p>
-            <a:r>
-              <a:rPr lang="en-GB" dirty="0"/>
-              <a:t>JD+ is a complete re-factoring of </a:t>
-            </a:r>
-            <a:r>
-              <a:rPr lang="en-GB" dirty="0" err="1"/>
-              <a:t>Tramo</a:t>
-            </a:r>
-            <a:r>
-              <a:rPr lang="en-GB" dirty="0"/>
-              <a:t>-Seats an of X12-Arima in an open OO framework. In some cases, the new algorithms may lead to (usually slightly) different results .</a:t>
-            </a:r>
-          </a:p>
-          <a:p>
-            <a:endParaRPr lang="en-GB" dirty="0"/>
-          </a:p>
-          <a:p>
-            <a:r>
-              <a:rPr lang="en-GB" dirty="0"/>
-              <a:t>JD+ is also designed for the handling of related time series problems, especially through a rich state space library.</a:t>
-            </a:r>
-          </a:p>
-          <a:p>
-            <a:endParaRPr lang="en-GB" dirty="0"/>
-          </a:p>
-          <a:p>
-            <a:r>
-              <a:rPr lang="en-GB" dirty="0"/>
-              <a:t>By developing it as an open source solution, we have tried to create an environment appropriate to external collaborations.</a:t>
-            </a:r>
-          </a:p>
-          <a:p>
-            <a:endParaRPr lang="en-GB" dirty="0"/>
-          </a:p>
-        </p:txBody>
-      </p:sp>
-      <p:sp>
-        <p:nvSpPr>
-          <p:cNvPr id="4" name="Date Placeholder 3"/>
-          <p:cNvSpPr>
-            <a:spLocks noGrp="1"/>
-          </p:cNvSpPr>
-          <p:nvPr>
-            <p:ph type="dt" sz="half" idx="10"/>
-          </p:nvPr>
-        </p:nvSpPr>
-        <p:spPr/>
-        <p:txBody>
-          <a:bodyPr/>
-          <a:lstStyle/>
-          <a:p>
-            <a:r>
-              <a:rPr lang="fr-FR"/>
-              <a:t>17-19/10/2023</a:t>
-            </a:r>
-            <a:endParaRPr lang="en-US"/>
-          </a:p>
-        </p:txBody>
-      </p:sp>
-      <p:sp>
-        <p:nvSpPr>
-          <p:cNvPr id="5" name="Footer Placeholder 4"/>
-          <p:cNvSpPr>
-            <a:spLocks noGrp="1"/>
-          </p:cNvSpPr>
-          <p:nvPr>
-            <p:ph type="ftr" sz="quarter" idx="11"/>
-          </p:nvPr>
-        </p:nvSpPr>
-        <p:spPr/>
-        <p:txBody>
-          <a:bodyPr/>
-          <a:lstStyle/>
-          <a:p>
-            <a:r>
-              <a:rPr lang="en-US"/>
-              <a:t>ESTP Training. JD+ Overview</a:t>
-            </a:r>
-          </a:p>
-        </p:txBody>
-      </p:sp>
-      <p:sp>
-        <p:nvSpPr>
-          <p:cNvPr id="6" name="Slide Number Placeholder 5"/>
-          <p:cNvSpPr>
-            <a:spLocks noGrp="1"/>
-          </p:cNvSpPr>
-          <p:nvPr>
-            <p:ph type="sldNum" sz="quarter" idx="12"/>
-          </p:nvPr>
-        </p:nvSpPr>
-        <p:spPr/>
-        <p:txBody>
-          <a:bodyPr/>
-          <a:lstStyle/>
-          <a:p>
-            <a:fld id="{627CDA0C-01AE-4E2F-8829-AAF8EAAF9DB3}" type="slidenum">
-              <a:rPr lang="en-US" smtClean="0"/>
-              <a:t>11</a:t>
-            </a:fld>
-            <a:endParaRPr lang="en-US"/>
-          </a:p>
-        </p:txBody>
-      </p:sp>
-    </p:spTree>
-  </p:cSld>
-  <p:clrMapOvr>
-    <a:masterClrMapping/>
-  </p:clrMapOvr>
-  <p:timing>
-    <p:tnLst>
-      <p:par>
-        <p:cTn id="1" dur="indefinite" restart="never" nodeType="tmRoot">
-          <p:childTnLst>
-            <p:seq concurrent="1" nextAc="seek">
-              <p:cTn id="2" dur="indefinite" nodeType="mainSeq">
-                <p:childTnLst>
-                  <p:par>
-                    <p:cTn id="3" fill="hold">
-                      <p:stCondLst>
-                        <p:cond delay="indefinite"/>
-                      </p:stCondLst>
-                      <p:childTnLst>
-                        <p:par>
-                          <p:cTn id="4" fill="hold">
-                            <p:stCondLst>
-                              <p:cond delay="0"/>
-                            </p:stCondLst>
-                            <p:childTnLst>
-                              <p:par>
-                                <p:cTn id="5" presetID="1" presetClass="entr" presetSubtype="0" fill="hold" grpId="0" nodeType="clickEffect">
-                                  <p:stCondLst>
-                                    <p:cond delay="0"/>
-                                  </p:stCondLst>
-                                  <p:childTnLst>
-                                    <p:set>
-                                      <p:cBhvr>
-                                        <p:cTn id="6" dur="1" fill="hold">
-                                          <p:stCondLst>
-                                            <p:cond delay="0"/>
-                                          </p:stCondLst>
-                                        </p:cTn>
-                                        <p:tgtEl>
-                                          <p:spTgt spid="3">
-                                            <p:txEl>
-                                              <p:pRg st="0" end="0"/>
-                                            </p:txEl>
-                                          </p:spTgt>
-                                        </p:tgtEl>
-                                        <p:attrNameLst>
-                                          <p:attrName>style.visibility</p:attrName>
-                                        </p:attrNameLst>
-                                      </p:cBhvr>
-                                      <p:to>
-                                        <p:strVal val="visible"/>
-                                      </p:to>
-                                    </p:set>
-                                  </p:childTnLst>
-                                </p:cTn>
-                              </p:par>
-                            </p:childTnLst>
-                          </p:cTn>
-                        </p:par>
-                      </p:childTnLst>
-                    </p:cTn>
-                  </p:par>
-                  <p:par>
-                    <p:cTn id="7" fill="hold">
-                      <p:stCondLst>
-                        <p:cond delay="indefinite"/>
-                      </p:stCondLst>
-                      <p:childTnLst>
-                        <p:par>
-                          <p:cTn id="8" fill="hold">
-                            <p:stCondLst>
-                              <p:cond delay="0"/>
-                            </p:stCondLst>
-                            <p:childTnLst>
-                              <p:par>
-                                <p:cTn id="9" presetID="1" presetClass="entr" presetSubtype="0" fill="hold" grpId="0" nodeType="clickEffect">
-                                  <p:stCondLst>
-                                    <p:cond delay="0"/>
-                                  </p:stCondLst>
-                                  <p:childTnLst>
-                                    <p:set>
-                                      <p:cBhvr>
-                                        <p:cTn id="10" dur="1" fill="hold">
-                                          <p:stCondLst>
-                                            <p:cond delay="0"/>
-                                          </p:stCondLst>
-                                        </p:cTn>
-                                        <p:tgtEl>
-                                          <p:spTgt spid="3">
-                                            <p:txEl>
-                                              <p:pRg st="2" end="2"/>
-                                            </p:txEl>
-                                          </p:spTgt>
-                                        </p:tgtEl>
-                                        <p:attrNameLst>
-                                          <p:attrName>style.visibility</p:attrName>
-                                        </p:attrNameLst>
-                                      </p:cBhvr>
-                                      <p:to>
-                                        <p:strVal val="visible"/>
-                                      </p:to>
-                                    </p:set>
-                                  </p:childTnLst>
-                                </p:cTn>
-                              </p:par>
-                            </p:childTnLst>
-                          </p:cTn>
-                        </p:par>
-                      </p:childTnLst>
-                    </p:cTn>
-                  </p:par>
-                  <p:par>
-                    <p:cTn id="11" fill="hold">
-                      <p:stCondLst>
-                        <p:cond delay="indefinite"/>
-                      </p:stCondLst>
-                      <p:childTnLst>
-                        <p:par>
-                          <p:cTn id="12" fill="hold">
-                            <p:stCondLst>
-                              <p:cond delay="0"/>
-                            </p:stCondLst>
-                            <p:childTnLst>
-                              <p:par>
-                                <p:cTn id="13" presetID="1" presetClass="entr" presetSubtype="0" fill="hold" grpId="0" nodeType="clickEffect">
-                                  <p:stCondLst>
-                                    <p:cond delay="0"/>
-                                  </p:stCondLst>
-                                  <p:childTnLst>
-                                    <p:set>
-                                      <p:cBhvr>
-                                        <p:cTn id="14" dur="1" fill="hold">
-                                          <p:stCondLst>
-                                            <p:cond delay="0"/>
-                                          </p:stCondLst>
-                                        </p:cTn>
-                                        <p:tgtEl>
-                                          <p:spTgt spid="3">
-                                            <p:txEl>
-                                              <p:pRg st="4" end="4"/>
-                                            </p:txEl>
-                                          </p:spTgt>
-                                        </p:tgtEl>
-                                        <p:attrNameLst>
-                                          <p:attrName>style.visibility</p:attrName>
-                                        </p:attrNameLst>
-                                      </p:cBhvr>
-                                      <p:to>
-                                        <p:strVal val="visible"/>
-                                      </p:to>
-                                    </p:set>
-                                  </p:childTnLst>
-                                </p:cTn>
-                              </p:par>
-                            </p:childTnLst>
-                          </p:cTn>
-                        </p:par>
-                      </p:childTnLst>
-                    </p:cTn>
-                  </p:par>
-                </p:childTnLst>
-              </p:cTn>
-              <p:prevCondLst>
-                <p:cond evt="onPrev" delay="0">
-                  <p:tgtEl>
-                    <p:sldTgt/>
-                  </p:tgtEl>
-                </p:cond>
-              </p:prevCondLst>
-              <p:nextCondLst>
-                <p:cond evt="onNext" delay="0">
-                  <p:tgtEl>
-                    <p:sldTgt/>
-                  </p:tgtEl>
-                </p:cond>
-              </p:nextCondLst>
-            </p:seq>
-          </p:childTnLst>
-        </p:cTn>
-      </p:par>
-    </p:tnLst>
-    <p:bldLst>
-      <p:bldP spid="3" grpId="0" uiExpand="1" build="p"/>
-    </p:bldLst>
-  </p:timing>
-</p:sld>
-</file>
-
 <file path=ppt/slides/slide2.xml><?xml version="1.0" encoding="utf-8"?>
 <p:sld xmlns:a="http://schemas.openxmlformats.org/drawingml/2006/main" xmlns:r="http://schemas.openxmlformats.org/officeDocument/2006/relationships" xmlns:p="http://schemas.openxmlformats.org/presentationml/2006/main">
   <p:cSld>
@@ -6448,9 +4687,10 @@
           <a:bodyPr/>
           <a:lstStyle/>
           <a:p>
+            <a:pPr algn="l"/>
             <a:r>
               <a:rPr lang="en-GB" b="0" dirty="0"/>
-              <a:t>Outline</a:t>
+              <a:t>0. Outline</a:t>
             </a:r>
           </a:p>
         </p:txBody>
@@ -6513,39 +4753,13 @@
           <a:p>
             <a:r>
               <a:rPr lang="en-GB" sz="2400" dirty="0"/>
-              <a:t>Architecture, design</a:t>
+              <a:t>Statistical content</a:t>
             </a:r>
           </a:p>
           <a:p>
             <a:r>
               <a:rPr lang="en-GB" sz="2400" dirty="0"/>
               <a:t>Seasonal adjustment framework</a:t>
-            </a:r>
-          </a:p>
-          <a:p>
-            <a:pPr lvl="1"/>
-            <a:r>
-              <a:rPr lang="en-GB" sz="2400" dirty="0"/>
-              <a:t>Overview, pre-processing, decomposition</a:t>
-            </a:r>
-          </a:p>
-          <a:p>
-            <a:r>
-              <a:rPr lang="en-GB" sz="2400" dirty="0"/>
-              <a:t>State space framework</a:t>
-            </a:r>
-          </a:p>
-          <a:p>
-            <a:pPr lvl="1"/>
-            <a:r>
-              <a:rPr lang="en-GB" sz="2400" dirty="0"/>
-              <a:t>Goals, overview</a:t>
-            </a:r>
-          </a:p>
-          <a:p>
-            <a:r>
-              <a:rPr lang="en-GB" sz="2400" dirty="0"/>
-              <a:t>Some examples</a:t>
             </a:r>
           </a:p>
           <a:p>
@@ -6897,15 +5111,33 @@
                                   </p:childTnLst>
                                 </p:cTn>
                               </p:par>
+                            </p:childTnLst>
+                          </p:cTn>
+                        </p:par>
+                      </p:childTnLst>
+                    </p:cTn>
+                  </p:par>
+                  <p:par>
+                    <p:cTn id="23" fill="hold">
+                      <p:stCondLst>
+                        <p:cond delay="indefinite"/>
+                      </p:stCondLst>
+                      <p:childTnLst>
+                        <p:par>
+                          <p:cTn id="24" fill="hold">
+                            <p:stCondLst>
+                              <p:cond delay="0"/>
+                            </p:stCondLst>
+                            <p:childTnLst>
                               <p:par>
-                                <p:cTn id="23" presetID="1" presetClass="entr" presetSubtype="0" fill="hold" grpId="0" nodeType="withEffect">
+                                <p:cTn id="25" presetID="1" presetClass="entr" presetSubtype="0" fill="hold" grpId="0" nodeType="clickEffect">
                                   <p:stCondLst>
                                     <p:cond delay="0"/>
                                   </p:stCondLst>
                                   <p:childTnLst>
                                     <p:set>
                                       <p:cBhvr>
-                                        <p:cTn id="24" dur="1" fill="hold">
+                                        <p:cTn id="26" dur="1" fill="hold">
                                           <p:stCondLst>
                                             <p:cond delay="0"/>
                                           </p:stCondLst>
@@ -6914,184 +5146,6 @@
                                           <p:spTgt spid="3">
                                             <p:txEl>
                                               <p:pRg st="6" end="6"/>
-                                            </p:txEl>
-                                          </p:spTgt>
-                                        </p:tgtEl>
-                                        <p:attrNameLst>
-                                          <p:attrName>style.visibility</p:attrName>
-                                        </p:attrNameLst>
-                                      </p:cBhvr>
-                                      <p:to>
-                                        <p:strVal val="visible"/>
-                                      </p:to>
-                                    </p:set>
-                                  </p:childTnLst>
-                                </p:cTn>
-                              </p:par>
-                            </p:childTnLst>
-                          </p:cTn>
-                        </p:par>
-                      </p:childTnLst>
-                    </p:cTn>
-                  </p:par>
-                  <p:par>
-                    <p:cTn id="25" fill="hold">
-                      <p:stCondLst>
-                        <p:cond delay="indefinite"/>
-                      </p:stCondLst>
-                      <p:childTnLst>
-                        <p:par>
-                          <p:cTn id="26" fill="hold">
-                            <p:stCondLst>
-                              <p:cond delay="0"/>
-                            </p:stCondLst>
-                            <p:childTnLst>
-                              <p:par>
-                                <p:cTn id="27" presetID="1" presetClass="entr" presetSubtype="0" fill="hold" grpId="0" nodeType="clickEffect">
-                                  <p:stCondLst>
-                                    <p:cond delay="0"/>
-                                  </p:stCondLst>
-                                  <p:childTnLst>
-                                    <p:set>
-                                      <p:cBhvr>
-                                        <p:cTn id="28" dur="1" fill="hold">
-                                          <p:stCondLst>
-                                            <p:cond delay="0"/>
-                                          </p:stCondLst>
-                                        </p:cTn>
-                                        <p:tgtEl>
-                                          <p:spTgt spid="3">
-                                            <p:txEl>
-                                              <p:pRg st="7" end="7"/>
-                                            </p:txEl>
-                                          </p:spTgt>
-                                        </p:tgtEl>
-                                        <p:attrNameLst>
-                                          <p:attrName>style.visibility</p:attrName>
-                                        </p:attrNameLst>
-                                      </p:cBhvr>
-                                      <p:to>
-                                        <p:strVal val="visible"/>
-                                      </p:to>
-                                    </p:set>
-                                  </p:childTnLst>
-                                </p:cTn>
-                              </p:par>
-                              <p:par>
-                                <p:cTn id="29" presetID="1" presetClass="entr" presetSubtype="0" fill="hold" grpId="0" nodeType="withEffect">
-                                  <p:stCondLst>
-                                    <p:cond delay="0"/>
-                                  </p:stCondLst>
-                                  <p:childTnLst>
-                                    <p:set>
-                                      <p:cBhvr>
-                                        <p:cTn id="30" dur="1" fill="hold">
-                                          <p:stCondLst>
-                                            <p:cond delay="0"/>
-                                          </p:stCondLst>
-                                        </p:cTn>
-                                        <p:tgtEl>
-                                          <p:spTgt spid="3">
-                                            <p:txEl>
-                                              <p:pRg st="8" end="8"/>
-                                            </p:txEl>
-                                          </p:spTgt>
-                                        </p:tgtEl>
-                                        <p:attrNameLst>
-                                          <p:attrName>style.visibility</p:attrName>
-                                        </p:attrNameLst>
-                                      </p:cBhvr>
-                                      <p:to>
-                                        <p:strVal val="visible"/>
-                                      </p:to>
-                                    </p:set>
-                                  </p:childTnLst>
-                                </p:cTn>
-                              </p:par>
-                            </p:childTnLst>
-                          </p:cTn>
-                        </p:par>
-                      </p:childTnLst>
-                    </p:cTn>
-                  </p:par>
-                  <p:par>
-                    <p:cTn id="31" fill="hold">
-                      <p:stCondLst>
-                        <p:cond delay="indefinite"/>
-                      </p:stCondLst>
-                      <p:childTnLst>
-                        <p:par>
-                          <p:cTn id="32" fill="hold">
-                            <p:stCondLst>
-                              <p:cond delay="0"/>
-                            </p:stCondLst>
-                            <p:childTnLst>
-                              <p:par>
-                                <p:cTn id="33" presetID="1" presetClass="entr" presetSubtype="0" fill="hold" grpId="0" nodeType="clickEffect">
-                                  <p:stCondLst>
-                                    <p:cond delay="0"/>
-                                  </p:stCondLst>
-                                  <p:childTnLst>
-                                    <p:set>
-                                      <p:cBhvr>
-                                        <p:cTn id="34" dur="1" fill="hold">
-                                          <p:stCondLst>
-                                            <p:cond delay="0"/>
-                                          </p:stCondLst>
-                                        </p:cTn>
-                                        <p:tgtEl>
-                                          <p:spTgt spid="3">
-                                            <p:txEl>
-                                              <p:pRg st="9" end="9"/>
-                                            </p:txEl>
-                                          </p:spTgt>
-                                        </p:tgtEl>
-                                        <p:attrNameLst>
-                                          <p:attrName>style.visibility</p:attrName>
-                                        </p:attrNameLst>
-                                      </p:cBhvr>
-                                      <p:to>
-                                        <p:strVal val="visible"/>
-                                      </p:to>
-                                    </p:set>
-                                  </p:childTnLst>
-                                </p:cTn>
-                              </p:par>
-                            </p:childTnLst>
-                          </p:cTn>
-                        </p:par>
-                      </p:childTnLst>
-                    </p:cTn>
-                  </p:par>
-                  <p:par>
-                    <p:cTn id="35" fill="hold">
-                      <p:stCondLst>
-                        <p:cond delay="indefinite"/>
-                      </p:stCondLst>
-                      <p:childTnLst>
-                        <p:par>
-                          <p:cTn id="36" fill="hold">
-                            <p:stCondLst>
-                              <p:cond delay="0"/>
-                            </p:stCondLst>
-                            <p:childTnLst>
-                              <p:par>
-                                <p:cTn id="37" presetID="1" presetClass="entr" presetSubtype="0" fill="hold" grpId="0" nodeType="clickEffect">
-                                  <p:stCondLst>
-                                    <p:cond delay="0"/>
-                                  </p:stCondLst>
-                                  <p:childTnLst>
-                                    <p:set>
-                                      <p:cBhvr>
-                                        <p:cTn id="38" dur="1" fill="hold">
-                                          <p:stCondLst>
-                                            <p:cond delay="0"/>
-                                          </p:stCondLst>
-                                        </p:cTn>
-                                        <p:tgtEl>
-                                          <p:spTgt spid="3">
-                                            <p:txEl>
-                                              <p:pRg st="10" end="10"/>
                                             </p:txEl>
                                           </p:spTgt>
                                         </p:tgtEl>
@@ -7172,9 +5226,10 @@
           <a:bodyPr/>
           <a:lstStyle/>
           <a:p>
+            <a:pPr algn="l"/>
             <a:r>
               <a:rPr lang="fr-BE" b="0" dirty="0"/>
-              <a:t>General Objectives</a:t>
+              <a:t>1.1 General Objectives</a:t>
             </a:r>
             <a:endParaRPr lang="nl-BE" b="0" dirty="0"/>
           </a:p>
@@ -7252,7 +5307,7 @@
             <a:pPr lvl="1"/>
             <a:r>
               <a:rPr lang="en-GB" dirty="0"/>
-              <a:t>Java, WEB services...</a:t>
+              <a:t>Java, R, WEB services...</a:t>
             </a:r>
           </a:p>
           <a:p>
@@ -7871,9 +5926,10 @@
           <a:bodyPr/>
           <a:lstStyle/>
           <a:p>
+            <a:pPr algn="l"/>
             <a:r>
               <a:rPr lang="en-GB" b="0" dirty="0"/>
-              <a:t>Objectives for SA</a:t>
+              <a:t>1.2 Objectives for SA</a:t>
             </a:r>
           </a:p>
         </p:txBody>
@@ -8636,7 +6692,7 @@
         <p:spPr>
           <a:xfrm>
             <a:off x="251520" y="188640"/>
-            <a:ext cx="4047108" cy="663575"/>
+            <a:ext cx="4320480" cy="663575"/>
           </a:xfrm>
         </p:spPr>
         <p:txBody>
@@ -8647,7 +6703,7 @@
           <a:p>
             <a:r>
               <a:rPr lang="en-GB" dirty="0"/>
-              <a:t>What is JD+ (I) ?</a:t>
+              <a:t>2.1 What is JD+ (I) ?</a:t>
             </a:r>
           </a:p>
         </p:txBody>
@@ -9009,7 +7065,7 @@
         <p:spPr>
           <a:xfrm>
             <a:off x="596900" y="284163"/>
-            <a:ext cx="3111004" cy="663575"/>
+            <a:ext cx="4839196" cy="663575"/>
           </a:xfrm>
         </p:spPr>
         <p:txBody>
@@ -9020,7 +7076,7 @@
           <a:p>
             <a:r>
               <a:rPr lang="en-GB" dirty="0"/>
-              <a:t>What is JD+ ? (II)</a:t>
+              <a:t>2.2 What is JD+ ? (II)</a:t>
             </a:r>
           </a:p>
         </p:txBody>
@@ -9034,7 +7090,7 @@
         <p:spPr>
           <a:xfrm>
             <a:off x="6444208" y="1254021"/>
-            <a:ext cx="2483768" cy="4616648"/>
+            <a:ext cx="2483768" cy="4893647"/>
           </a:xfrm>
           <a:prstGeom prst="rect">
             <a:avLst/>
@@ -9163,7 +7219,7 @@
               <a:buChar char="•"/>
             </a:pPr>
             <a:r>
-              <a:rPr lang="en-GB" sz="1800" dirty="0" err="1">
+              <a:rPr lang="en-GB" sz="1800" dirty="0">
                 <a:solidFill>
                   <a:schemeClr val="bg2">
                     <a:lumMod val="50000"/>
@@ -9172,13 +7228,22 @@
               </a:rPr>
               <a:t>Bundesbank</a:t>
             </a:r>
-            <a:endParaRPr lang="en-GB" sz="1800" dirty="0">
-              <a:solidFill>
-                <a:schemeClr val="bg2">
-                  <a:lumMod val="50000"/>
-                </a:schemeClr>
-              </a:solidFill>
-            </a:endParaRPr>
+          </a:p>
+          <a:p>
+            <a:pPr lvl="1">
+              <a:buFont typeface="Arial" pitchFamily="34" charset="0"/>
+              <a:buChar char="•"/>
+            </a:pPr>
+            <a:r>
+              <a:rPr lang="en-GB" sz="1800" dirty="0">
+                <a:solidFill>
+                  <a:schemeClr val="bg2">
+                    <a:lumMod val="50000"/>
+                  </a:schemeClr>
+                </a:solidFill>
+              </a:rPr>
+              <a:t>INSEE</a:t>
+            </a:r>
           </a:p>
           <a:p>
             <a:pPr lvl="1">
@@ -9476,1896 +7541,6 @@
       </p:grpSpPr>
       <p:sp>
         <p:nvSpPr>
-          <p:cNvPr id="52" name="Rounded Rectangle 51"/>
-          <p:cNvSpPr/>
-          <p:nvPr/>
-        </p:nvSpPr>
-        <p:spPr bwMode="auto">
-          <a:xfrm>
-            <a:off x="1835695" y="4320099"/>
-            <a:ext cx="4104457" cy="1746194"/>
-          </a:xfrm>
-          <a:prstGeom prst="roundRect">
-            <a:avLst/>
-          </a:prstGeom>
-          <a:solidFill>
-            <a:schemeClr val="accent4">
-              <a:lumMod val="50000"/>
-              <a:lumOff val="50000"/>
-            </a:schemeClr>
-          </a:solidFill>
-          <a:ln w="9525" cap="flat" cmpd="sng" algn="ctr">
-            <a:solidFill>
-              <a:schemeClr val="tx1"/>
-            </a:solidFill>
-            <a:prstDash val="solid"/>
-            <a:round/>
-            <a:headEnd type="none" w="med" len="med"/>
-            <a:tailEnd type="none" w="med" len="med"/>
-          </a:ln>
-          <a:effectLst/>
-        </p:spPr>
-        <p:txBody>
-          <a:bodyPr vert="horz" wrap="square" lIns="91440" tIns="45720" rIns="91440" bIns="45720" numCol="1" rtlCol="0" anchor="t" anchorCtr="0" compatLnSpc="1">
-            <a:prstTxWarp prst="textNoShape">
-              <a:avLst/>
-            </a:prstTxWarp>
-          </a:bodyPr>
-          <a:lstStyle/>
-          <a:p>
-            <a:pPr marL="0" marR="0" indent="0" algn="l" defTabSz="914400" rtl="0" eaLnBrk="0" fontAlgn="base" latinLnBrk="0" hangingPunct="0">
-              <a:lnSpc>
-                <a:spcPct val="100000"/>
-              </a:lnSpc>
-              <a:spcBef>
-                <a:spcPct val="0"/>
-              </a:spcBef>
-              <a:spcAft>
-                <a:spcPct val="0"/>
-              </a:spcAft>
-              <a:buClrTx/>
-              <a:buSzTx/>
-              <a:buFontTx/>
-              <a:buNone/>
-              <a:tabLst/>
-            </a:pPr>
-            <a:endParaRPr kumimoji="0" lang="en-US" sz="800" b="0" i="0" u="none" strike="noStrike" cap="none" normalizeH="0" baseline="0">
-              <a:ln>
-                <a:noFill/>
-              </a:ln>
-              <a:solidFill>
-                <a:srgbClr val="009999"/>
-              </a:solidFill>
-              <a:effectLst/>
-              <a:latin typeface="Times New Roman" pitchFamily="18" charset="0"/>
-            </a:endParaRPr>
-          </a:p>
-        </p:txBody>
-      </p:sp>
-      <p:sp>
-        <p:nvSpPr>
-          <p:cNvPr id="51" name="Rounded Rectangle 50"/>
-          <p:cNvSpPr/>
-          <p:nvPr/>
-        </p:nvSpPr>
-        <p:spPr bwMode="auto">
-          <a:xfrm>
-            <a:off x="1835695" y="1457781"/>
-            <a:ext cx="4104457" cy="2827476"/>
-          </a:xfrm>
-          <a:prstGeom prst="roundRect">
-            <a:avLst/>
-          </a:prstGeom>
-          <a:solidFill>
-            <a:schemeClr val="accent2">
-              <a:lumMod val="20000"/>
-              <a:lumOff val="80000"/>
-            </a:schemeClr>
-          </a:solidFill>
-          <a:ln w="9525" cap="flat" cmpd="sng" algn="ctr">
-            <a:solidFill>
-              <a:schemeClr val="tx1"/>
-            </a:solidFill>
-            <a:prstDash val="solid"/>
-            <a:round/>
-            <a:headEnd type="none" w="med" len="med"/>
-            <a:tailEnd type="none" w="med" len="med"/>
-          </a:ln>
-          <a:effectLst/>
-        </p:spPr>
-        <p:txBody>
-          <a:bodyPr vert="horz" wrap="square" lIns="91440" tIns="45720" rIns="91440" bIns="45720" numCol="1" rtlCol="0" anchor="t" anchorCtr="0" compatLnSpc="1">
-            <a:prstTxWarp prst="textNoShape">
-              <a:avLst/>
-            </a:prstTxWarp>
-          </a:bodyPr>
-          <a:lstStyle/>
-          <a:p>
-            <a:pPr marL="0" marR="0" indent="0" algn="l" defTabSz="914400" rtl="0" eaLnBrk="0" fontAlgn="base" latinLnBrk="0" hangingPunct="0">
-              <a:lnSpc>
-                <a:spcPct val="100000"/>
-              </a:lnSpc>
-              <a:spcBef>
-                <a:spcPct val="0"/>
-              </a:spcBef>
-              <a:spcAft>
-                <a:spcPct val="0"/>
-              </a:spcAft>
-              <a:buClrTx/>
-              <a:buSzTx/>
-              <a:buFontTx/>
-              <a:buNone/>
-              <a:tabLst/>
-            </a:pPr>
-            <a:endParaRPr kumimoji="0" lang="en-US" sz="800" b="0" i="0" u="none" strike="noStrike" cap="none" normalizeH="0" baseline="0">
-              <a:ln>
-                <a:noFill/>
-              </a:ln>
-              <a:solidFill>
-                <a:srgbClr val="009999"/>
-              </a:solidFill>
-              <a:effectLst/>
-              <a:latin typeface="Times New Roman" pitchFamily="18" charset="0"/>
-            </a:endParaRPr>
-          </a:p>
-        </p:txBody>
-      </p:sp>
-      <p:sp>
-        <p:nvSpPr>
-          <p:cNvPr id="2" name="Title 1"/>
-          <p:cNvSpPr>
-            <a:spLocks noGrp="1"/>
-          </p:cNvSpPr>
-          <p:nvPr>
-            <p:ph type="title"/>
-          </p:nvPr>
-        </p:nvSpPr>
-        <p:spPr/>
-        <p:txBody>
-          <a:bodyPr/>
-          <a:lstStyle/>
-          <a:p>
-            <a:r>
-              <a:rPr lang="fr-BE" dirty="0"/>
-              <a:t>Architecture (I)</a:t>
-            </a:r>
-            <a:endParaRPr lang="en-US" dirty="0"/>
-          </a:p>
-        </p:txBody>
-      </p:sp>
-      <p:sp>
-        <p:nvSpPr>
-          <p:cNvPr id="3" name="Rectangle 2"/>
-          <p:cNvSpPr/>
-          <p:nvPr/>
-        </p:nvSpPr>
-        <p:spPr>
-          <a:xfrm>
-            <a:off x="2285745" y="1745813"/>
-            <a:ext cx="2088232" cy="1008112"/>
-          </a:xfrm>
-          <a:prstGeom prst="rect">
-            <a:avLst/>
-          </a:prstGeom>
-        </p:spPr>
-        <p:style>
-          <a:lnRef idx="2">
-            <a:schemeClr val="accent1">
-              <a:shade val="50000"/>
-            </a:schemeClr>
-          </a:lnRef>
-          <a:fillRef idx="1">
-            <a:schemeClr val="accent1"/>
-          </a:fillRef>
-          <a:effectRef idx="0">
-            <a:schemeClr val="accent1"/>
-          </a:effectRef>
-          <a:fontRef idx="minor">
-            <a:schemeClr val="lt1"/>
-          </a:fontRef>
-        </p:style>
-        <p:txBody>
-          <a:bodyPr rtlCol="0" anchor="ctr"/>
-          <a:lstStyle/>
-          <a:p>
-            <a:pPr algn="ctr"/>
-            <a:r>
-              <a:rPr lang="fr-BE" sz="1800" dirty="0"/>
-              <a:t>JTsToolkit</a:t>
-            </a:r>
-          </a:p>
-          <a:p>
-            <a:pPr algn="ctr"/>
-            <a:r>
-              <a:rPr lang="fr-BE" sz="1800" dirty="0"/>
-              <a:t>Core algorithms</a:t>
-            </a:r>
-            <a:endParaRPr lang="en-GB" sz="1800" dirty="0"/>
-          </a:p>
-        </p:txBody>
-      </p:sp>
-      <p:sp>
-        <p:nvSpPr>
-          <p:cNvPr id="4" name="Rectangle 3"/>
-          <p:cNvSpPr/>
-          <p:nvPr/>
-        </p:nvSpPr>
-        <p:spPr>
-          <a:xfrm>
-            <a:off x="2285745" y="2969949"/>
-            <a:ext cx="2088232" cy="792088"/>
-          </a:xfrm>
-          <a:prstGeom prst="rect">
-            <a:avLst/>
-          </a:prstGeom>
-        </p:spPr>
-        <p:style>
-          <a:lnRef idx="2">
-            <a:schemeClr val="accent1">
-              <a:shade val="50000"/>
-            </a:schemeClr>
-          </a:lnRef>
-          <a:fillRef idx="1">
-            <a:schemeClr val="accent1"/>
-          </a:fillRef>
-          <a:effectRef idx="0">
-            <a:schemeClr val="accent1"/>
-          </a:effectRef>
-          <a:fontRef idx="minor">
-            <a:schemeClr val="lt1"/>
-          </a:fontRef>
-        </p:style>
-        <p:txBody>
-          <a:bodyPr rtlCol="0" anchor="ctr"/>
-          <a:lstStyle/>
-          <a:p>
-            <a:pPr algn="ctr"/>
-            <a:r>
-              <a:rPr lang="fr-BE" sz="1800" dirty="0"/>
-              <a:t>Peripheral modules</a:t>
-            </a:r>
-            <a:endParaRPr lang="en-GB" sz="1800" dirty="0"/>
-          </a:p>
-        </p:txBody>
-      </p:sp>
-      <p:sp>
-        <p:nvSpPr>
-          <p:cNvPr id="5" name="Rectangle 4"/>
-          <p:cNvSpPr/>
-          <p:nvPr/>
-        </p:nvSpPr>
-        <p:spPr>
-          <a:xfrm>
-            <a:off x="107504" y="2920580"/>
-            <a:ext cx="1368152" cy="792088"/>
-          </a:xfrm>
-          <a:prstGeom prst="rect">
-            <a:avLst/>
-          </a:prstGeom>
-          <a:solidFill>
-            <a:schemeClr val="tx2">
-              <a:lumMod val="20000"/>
-              <a:lumOff val="80000"/>
-            </a:schemeClr>
-          </a:solidFill>
-        </p:spPr>
-        <p:style>
-          <a:lnRef idx="2">
-            <a:schemeClr val="accent1">
-              <a:shade val="50000"/>
-            </a:schemeClr>
-          </a:lnRef>
-          <a:fillRef idx="1">
-            <a:schemeClr val="accent1"/>
-          </a:fillRef>
-          <a:effectRef idx="0">
-            <a:schemeClr val="accent1"/>
-          </a:effectRef>
-          <a:fontRef idx="minor">
-            <a:schemeClr val="lt1"/>
-          </a:fontRef>
-        </p:style>
-        <p:txBody>
-          <a:bodyPr rtlCol="0" anchor="ctr"/>
-          <a:lstStyle/>
-          <a:p>
-            <a:pPr algn="ctr"/>
-            <a:r>
-              <a:rPr lang="fr-BE" sz="1800" dirty="0">
-                <a:solidFill>
-                  <a:schemeClr val="tx1">
-                    <a:lumMod val="95000"/>
-                    <a:lumOff val="5000"/>
-                  </a:schemeClr>
-                </a:solidFill>
-              </a:rPr>
-              <a:t>External</a:t>
-            </a:r>
-          </a:p>
-          <a:p>
-            <a:pPr algn="ctr"/>
-            <a:r>
-              <a:rPr lang="fr-BE" sz="1800" dirty="0">
-                <a:solidFill>
-                  <a:schemeClr val="tx1">
-                    <a:lumMod val="95000"/>
-                    <a:lumOff val="5000"/>
-                  </a:schemeClr>
-                </a:solidFill>
-              </a:rPr>
-              <a:t>packages</a:t>
-            </a:r>
-            <a:endParaRPr lang="en-GB" sz="1800" dirty="0">
-              <a:solidFill>
-                <a:schemeClr val="tx1">
-                  <a:lumMod val="95000"/>
-                  <a:lumOff val="5000"/>
-                </a:schemeClr>
-              </a:solidFill>
-            </a:endParaRPr>
-          </a:p>
-        </p:txBody>
-      </p:sp>
-      <p:cxnSp>
-        <p:nvCxnSpPr>
-          <p:cNvPr id="6" name="Straight Arrow Connector 5"/>
-          <p:cNvCxnSpPr>
-            <a:stCxn id="4" idx="1"/>
-          </p:cNvCxnSpPr>
-          <p:nvPr/>
-        </p:nvCxnSpPr>
-        <p:spPr>
-          <a:xfrm flipH="1" flipV="1">
-            <a:off x="1475656" y="3355913"/>
-            <a:ext cx="810089" cy="10080"/>
-          </a:xfrm>
-          <a:prstGeom prst="straightConnector1">
-            <a:avLst/>
-          </a:prstGeom>
-          <a:ln>
-            <a:tailEnd type="arrow"/>
-          </a:ln>
-        </p:spPr>
-        <p:style>
-          <a:lnRef idx="1">
-            <a:schemeClr val="accent1"/>
-          </a:lnRef>
-          <a:fillRef idx="0">
-            <a:schemeClr val="accent1"/>
-          </a:fillRef>
-          <a:effectRef idx="0">
-            <a:schemeClr val="accent1"/>
-          </a:effectRef>
-          <a:fontRef idx="minor">
-            <a:schemeClr val="tx1"/>
-          </a:fontRef>
-        </p:style>
-      </p:cxnSp>
-      <p:sp>
-        <p:nvSpPr>
-          <p:cNvPr id="7" name="Rectangle 6"/>
-          <p:cNvSpPr/>
-          <p:nvPr/>
-        </p:nvSpPr>
-        <p:spPr>
-          <a:xfrm>
-            <a:off x="2298445" y="4878161"/>
-            <a:ext cx="2088232" cy="792088"/>
-          </a:xfrm>
-          <a:prstGeom prst="rect">
-            <a:avLst/>
-          </a:prstGeom>
-        </p:spPr>
-        <p:style>
-          <a:lnRef idx="2">
-            <a:schemeClr val="accent1">
-              <a:shade val="50000"/>
-            </a:schemeClr>
-          </a:lnRef>
-          <a:fillRef idx="1">
-            <a:schemeClr val="accent1"/>
-          </a:fillRef>
-          <a:effectRef idx="0">
-            <a:schemeClr val="accent1"/>
-          </a:effectRef>
-          <a:fontRef idx="minor">
-            <a:schemeClr val="lt1"/>
-          </a:fontRef>
-        </p:style>
-        <p:txBody>
-          <a:bodyPr rtlCol="0" anchor="ctr"/>
-          <a:lstStyle/>
-          <a:p>
-            <a:pPr algn="ctr"/>
-            <a:r>
-              <a:rPr lang="fr-BE" sz="1800" dirty="0"/>
-              <a:t>JDemetra+ plug-ins</a:t>
-            </a:r>
-            <a:endParaRPr lang="en-GB" sz="1800" dirty="0"/>
-          </a:p>
-        </p:txBody>
-      </p:sp>
-      <p:sp>
-        <p:nvSpPr>
-          <p:cNvPr id="8" name="Rectangle 7"/>
-          <p:cNvSpPr/>
-          <p:nvPr/>
-        </p:nvSpPr>
-        <p:spPr>
-          <a:xfrm>
-            <a:off x="107504" y="4865353"/>
-            <a:ext cx="1368152" cy="792088"/>
-          </a:xfrm>
-          <a:prstGeom prst="rect">
-            <a:avLst/>
-          </a:prstGeom>
-          <a:solidFill>
-            <a:schemeClr val="tx2">
-              <a:lumMod val="20000"/>
-              <a:lumOff val="80000"/>
-            </a:schemeClr>
-          </a:solidFill>
-        </p:spPr>
-        <p:style>
-          <a:lnRef idx="2">
-            <a:schemeClr val="accent1">
-              <a:shade val="50000"/>
-            </a:schemeClr>
-          </a:lnRef>
-          <a:fillRef idx="1">
-            <a:schemeClr val="accent1"/>
-          </a:fillRef>
-          <a:effectRef idx="0">
-            <a:schemeClr val="accent1"/>
-          </a:effectRef>
-          <a:fontRef idx="minor">
-            <a:schemeClr val="lt1"/>
-          </a:fontRef>
-        </p:style>
-        <p:txBody>
-          <a:bodyPr rtlCol="0" anchor="ctr"/>
-          <a:lstStyle/>
-          <a:p>
-            <a:pPr algn="ctr"/>
-            <a:r>
-              <a:rPr lang="fr-BE" sz="1800" dirty="0">
-                <a:solidFill>
-                  <a:schemeClr val="tx1">
-                    <a:lumMod val="95000"/>
-                    <a:lumOff val="5000"/>
-                  </a:schemeClr>
-                </a:solidFill>
-              </a:rPr>
-              <a:t>NetBeans</a:t>
-            </a:r>
-            <a:endParaRPr lang="en-GB" sz="1800" dirty="0">
-              <a:solidFill>
-                <a:schemeClr val="tx1">
-                  <a:lumMod val="95000"/>
-                  <a:lumOff val="5000"/>
-                </a:schemeClr>
-              </a:solidFill>
-            </a:endParaRPr>
-          </a:p>
-        </p:txBody>
-      </p:sp>
-      <p:cxnSp>
-        <p:nvCxnSpPr>
-          <p:cNvPr id="9" name="Straight Arrow Connector 8"/>
-          <p:cNvCxnSpPr>
-            <a:stCxn id="7" idx="1"/>
-          </p:cNvCxnSpPr>
-          <p:nvPr/>
-        </p:nvCxnSpPr>
-        <p:spPr>
-          <a:xfrm flipH="1" flipV="1">
-            <a:off x="1475656" y="5261397"/>
-            <a:ext cx="822789" cy="12808"/>
-          </a:xfrm>
-          <a:prstGeom prst="straightConnector1">
-            <a:avLst/>
-          </a:prstGeom>
-          <a:ln>
-            <a:tailEnd type="arrow"/>
-          </a:ln>
-        </p:spPr>
-        <p:style>
-          <a:lnRef idx="1">
-            <a:schemeClr val="accent1"/>
-          </a:lnRef>
-          <a:fillRef idx="0">
-            <a:schemeClr val="accent1"/>
-          </a:fillRef>
-          <a:effectRef idx="0">
-            <a:schemeClr val="accent1"/>
-          </a:effectRef>
-          <a:fontRef idx="minor">
-            <a:schemeClr val="tx1"/>
-          </a:fontRef>
-        </p:style>
-      </p:cxnSp>
-      <p:cxnSp>
-        <p:nvCxnSpPr>
-          <p:cNvPr id="10" name="Straight Arrow Connector 9"/>
-          <p:cNvCxnSpPr>
-            <a:stCxn id="7" idx="0"/>
-            <a:endCxn id="4" idx="2"/>
-          </p:cNvCxnSpPr>
-          <p:nvPr/>
-        </p:nvCxnSpPr>
-        <p:spPr>
-          <a:xfrm flipH="1" flipV="1">
-            <a:off x="3329861" y="3762037"/>
-            <a:ext cx="12700" cy="1116124"/>
-          </a:xfrm>
-          <a:prstGeom prst="straightConnector1">
-            <a:avLst/>
-          </a:prstGeom>
-          <a:ln>
-            <a:tailEnd type="arrow"/>
-          </a:ln>
-        </p:spPr>
-        <p:style>
-          <a:lnRef idx="1">
-            <a:schemeClr val="accent1"/>
-          </a:lnRef>
-          <a:fillRef idx="0">
-            <a:schemeClr val="accent1"/>
-          </a:fillRef>
-          <a:effectRef idx="0">
-            <a:schemeClr val="accent1"/>
-          </a:effectRef>
-          <a:fontRef idx="minor">
-            <a:schemeClr val="tx1"/>
-          </a:fontRef>
-        </p:style>
-      </p:cxnSp>
-      <p:cxnSp>
-        <p:nvCxnSpPr>
-          <p:cNvPr id="11" name="Straight Arrow Connector 10"/>
-          <p:cNvCxnSpPr>
-            <a:stCxn id="4" idx="0"/>
-            <a:endCxn id="3" idx="2"/>
-          </p:cNvCxnSpPr>
-          <p:nvPr/>
-        </p:nvCxnSpPr>
-        <p:spPr>
-          <a:xfrm flipV="1">
-            <a:off x="3329861" y="2753925"/>
-            <a:ext cx="0" cy="216024"/>
-          </a:xfrm>
-          <a:prstGeom prst="straightConnector1">
-            <a:avLst/>
-          </a:prstGeom>
-          <a:ln>
-            <a:tailEnd type="arrow"/>
-          </a:ln>
-        </p:spPr>
-        <p:style>
-          <a:lnRef idx="1">
-            <a:schemeClr val="accent1"/>
-          </a:lnRef>
-          <a:fillRef idx="0">
-            <a:schemeClr val="accent1"/>
-          </a:fillRef>
-          <a:effectRef idx="0">
-            <a:schemeClr val="accent1"/>
-          </a:effectRef>
-          <a:fontRef idx="minor">
-            <a:schemeClr val="tx1"/>
-          </a:fontRef>
-        </p:style>
-      </p:cxnSp>
-      <p:cxnSp>
-        <p:nvCxnSpPr>
-          <p:cNvPr id="12" name="Elbow Connector 11"/>
-          <p:cNvCxnSpPr>
-            <a:stCxn id="7" idx="1"/>
-            <a:endCxn id="3" idx="1"/>
-          </p:cNvCxnSpPr>
-          <p:nvPr/>
-        </p:nvCxnSpPr>
-        <p:spPr>
-          <a:xfrm rot="10800000">
-            <a:off x="2285745" y="2249869"/>
-            <a:ext cx="12700" cy="3024336"/>
-          </a:xfrm>
-          <a:prstGeom prst="bentConnector3">
-            <a:avLst>
-              <a:gd name="adj1" fmla="val 1900000"/>
-            </a:avLst>
-          </a:prstGeom>
-          <a:ln>
-            <a:tailEnd type="arrow"/>
-          </a:ln>
-        </p:spPr>
-        <p:style>
-          <a:lnRef idx="1">
-            <a:schemeClr val="accent1"/>
-          </a:lnRef>
-          <a:fillRef idx="0">
-            <a:schemeClr val="accent1"/>
-          </a:fillRef>
-          <a:effectRef idx="0">
-            <a:schemeClr val="accent1"/>
-          </a:effectRef>
-          <a:fontRef idx="minor">
-            <a:schemeClr val="tx1"/>
-          </a:fontRef>
-        </p:style>
-      </p:cxnSp>
-      <p:sp>
-        <p:nvSpPr>
-          <p:cNvPr id="14" name="Rectangle 13"/>
-          <p:cNvSpPr/>
-          <p:nvPr/>
-        </p:nvSpPr>
-        <p:spPr>
-          <a:xfrm>
-            <a:off x="6804248" y="1745813"/>
-            <a:ext cx="1944216" cy="1008112"/>
-          </a:xfrm>
-          <a:prstGeom prst="rect">
-            <a:avLst/>
-          </a:prstGeom>
-          <a:solidFill>
-            <a:srgbClr val="FFC000"/>
-          </a:solidFill>
-        </p:spPr>
-        <p:style>
-          <a:lnRef idx="2">
-            <a:schemeClr val="accent1">
-              <a:shade val="50000"/>
-            </a:schemeClr>
-          </a:lnRef>
-          <a:fillRef idx="1">
-            <a:schemeClr val="accent1"/>
-          </a:fillRef>
-          <a:effectRef idx="0">
-            <a:schemeClr val="accent1"/>
-          </a:effectRef>
-          <a:fontRef idx="minor">
-            <a:schemeClr val="lt1"/>
-          </a:fontRef>
-        </p:style>
-        <p:txBody>
-          <a:bodyPr rtlCol="0" anchor="ctr"/>
-          <a:lstStyle/>
-          <a:p>
-            <a:pPr algn="ctr"/>
-            <a:r>
-              <a:rPr lang="fr-BE" sz="1800" dirty="0">
-                <a:solidFill>
-                  <a:schemeClr val="tx1">
-                    <a:lumMod val="95000"/>
-                    <a:lumOff val="5000"/>
-                  </a:schemeClr>
-                </a:solidFill>
-              </a:rPr>
-              <a:t>In house developments</a:t>
-            </a:r>
-            <a:endParaRPr lang="en-GB" sz="1800" dirty="0">
-              <a:solidFill>
-                <a:schemeClr val="tx1">
-                  <a:lumMod val="95000"/>
-                  <a:lumOff val="5000"/>
-                </a:schemeClr>
-              </a:solidFill>
-            </a:endParaRPr>
-          </a:p>
-        </p:txBody>
-      </p:sp>
-      <p:sp>
-        <p:nvSpPr>
-          <p:cNvPr id="15" name="Rectangle 14"/>
-          <p:cNvSpPr/>
-          <p:nvPr/>
-        </p:nvSpPr>
-        <p:spPr>
-          <a:xfrm>
-            <a:off x="6987502" y="4833773"/>
-            <a:ext cx="1760961" cy="880864"/>
-          </a:xfrm>
-          <a:prstGeom prst="rect">
-            <a:avLst/>
-          </a:prstGeom>
-          <a:solidFill>
-            <a:srgbClr val="FFC000"/>
-          </a:solidFill>
-        </p:spPr>
-        <p:style>
-          <a:lnRef idx="2">
-            <a:schemeClr val="accent1">
-              <a:shade val="50000"/>
-            </a:schemeClr>
-          </a:lnRef>
-          <a:fillRef idx="1">
-            <a:schemeClr val="accent1"/>
-          </a:fillRef>
-          <a:effectRef idx="0">
-            <a:schemeClr val="accent1"/>
-          </a:effectRef>
-          <a:fontRef idx="minor">
-            <a:schemeClr val="lt1"/>
-          </a:fontRef>
-        </p:style>
-        <p:txBody>
-          <a:bodyPr rtlCol="0" anchor="ctr"/>
-          <a:lstStyle/>
-          <a:p>
-            <a:pPr algn="ctr"/>
-            <a:r>
-              <a:rPr lang="fr-BE" sz="1800" dirty="0">
-                <a:solidFill>
-                  <a:schemeClr val="tx1">
-                    <a:lumMod val="95000"/>
-                    <a:lumOff val="5000"/>
-                  </a:schemeClr>
-                </a:solidFill>
-              </a:rPr>
-              <a:t>Third party </a:t>
-            </a:r>
-          </a:p>
-          <a:p>
-            <a:pPr algn="ctr"/>
-            <a:r>
-              <a:rPr lang="fr-BE" sz="1800" dirty="0">
-                <a:solidFill>
-                  <a:schemeClr val="tx1">
-                    <a:lumMod val="95000"/>
-                    <a:lumOff val="5000"/>
-                  </a:schemeClr>
-                </a:solidFill>
-              </a:rPr>
-              <a:t>plug-ins</a:t>
-            </a:r>
-            <a:endParaRPr lang="en-GB" sz="1800" dirty="0">
-              <a:solidFill>
-                <a:schemeClr val="tx1">
-                  <a:lumMod val="95000"/>
-                  <a:lumOff val="5000"/>
-                </a:schemeClr>
-              </a:solidFill>
-            </a:endParaRPr>
-          </a:p>
-        </p:txBody>
-      </p:sp>
-      <p:cxnSp>
-        <p:nvCxnSpPr>
-          <p:cNvPr id="16" name="Straight Arrow Connector 15"/>
-          <p:cNvCxnSpPr>
-            <a:stCxn id="14" idx="1"/>
-          </p:cNvCxnSpPr>
-          <p:nvPr/>
-        </p:nvCxnSpPr>
-        <p:spPr>
-          <a:xfrm flipH="1">
-            <a:off x="5940152" y="2249869"/>
-            <a:ext cx="864096" cy="0"/>
-          </a:xfrm>
-          <a:prstGeom prst="straightConnector1">
-            <a:avLst/>
-          </a:prstGeom>
-          <a:ln w="28575">
-            <a:tailEnd type="arrow"/>
-          </a:ln>
-        </p:spPr>
-        <p:style>
-          <a:lnRef idx="1">
-            <a:schemeClr val="accent1"/>
-          </a:lnRef>
-          <a:fillRef idx="0">
-            <a:schemeClr val="accent1"/>
-          </a:fillRef>
-          <a:effectRef idx="0">
-            <a:schemeClr val="accent1"/>
-          </a:effectRef>
-          <a:fontRef idx="minor">
-            <a:schemeClr val="tx1"/>
-          </a:fontRef>
-        </p:style>
-      </p:cxnSp>
-      <p:cxnSp>
-        <p:nvCxnSpPr>
-          <p:cNvPr id="17" name="Straight Arrow Connector 16"/>
-          <p:cNvCxnSpPr>
-            <a:stCxn id="15" idx="1"/>
-          </p:cNvCxnSpPr>
-          <p:nvPr/>
-        </p:nvCxnSpPr>
-        <p:spPr>
-          <a:xfrm flipH="1">
-            <a:off x="5940152" y="5274205"/>
-            <a:ext cx="1047350" cy="0"/>
-          </a:xfrm>
-          <a:prstGeom prst="straightConnector1">
-            <a:avLst/>
-          </a:prstGeom>
-          <a:ln w="28575">
-            <a:tailEnd type="arrow"/>
-          </a:ln>
-        </p:spPr>
-        <p:style>
-          <a:lnRef idx="1">
-            <a:schemeClr val="accent1"/>
-          </a:lnRef>
-          <a:fillRef idx="0">
-            <a:schemeClr val="accent1"/>
-          </a:fillRef>
-          <a:effectRef idx="0">
-            <a:schemeClr val="accent1"/>
-          </a:effectRef>
-          <a:fontRef idx="minor">
-            <a:schemeClr val="tx1"/>
-          </a:fontRef>
-        </p:style>
-      </p:cxnSp>
-      <p:sp>
-        <p:nvSpPr>
-          <p:cNvPr id="19" name="TextBox 18"/>
-          <p:cNvSpPr txBox="1"/>
-          <p:nvPr/>
-        </p:nvSpPr>
-        <p:spPr>
-          <a:xfrm>
-            <a:off x="3590382" y="3762037"/>
-            <a:ext cx="2466275" cy="523220"/>
-          </a:xfrm>
-          <a:prstGeom prst="rect">
-            <a:avLst/>
-          </a:prstGeom>
-          <a:noFill/>
-        </p:spPr>
-        <p:txBody>
-          <a:bodyPr wrap="square" rtlCol="0">
-            <a:spAutoFit/>
-          </a:bodyPr>
-          <a:lstStyle/>
-          <a:p>
-            <a:r>
-              <a:rPr lang="fr-BE" sz="2800" dirty="0" err="1">
-                <a:solidFill>
-                  <a:schemeClr val="accent1">
-                    <a:lumMod val="75000"/>
-                  </a:schemeClr>
-                </a:solidFill>
-              </a:rPr>
-              <a:t>Jdemetra-core</a:t>
-            </a:r>
-            <a:endParaRPr lang="en-GB" sz="2800" dirty="0">
-              <a:solidFill>
-                <a:schemeClr val="accent1">
-                  <a:lumMod val="75000"/>
-                </a:schemeClr>
-              </a:solidFill>
-            </a:endParaRPr>
-          </a:p>
-        </p:txBody>
-      </p:sp>
-      <p:sp>
-        <p:nvSpPr>
-          <p:cNvPr id="20" name="TextBox 19"/>
-          <p:cNvSpPr txBox="1"/>
-          <p:nvPr/>
-        </p:nvSpPr>
-        <p:spPr>
-          <a:xfrm>
-            <a:off x="3590382" y="4310553"/>
-            <a:ext cx="3875575" cy="523220"/>
-          </a:xfrm>
-          <a:prstGeom prst="rect">
-            <a:avLst/>
-          </a:prstGeom>
-          <a:noFill/>
-        </p:spPr>
-        <p:txBody>
-          <a:bodyPr wrap="square" rtlCol="0">
-            <a:spAutoFit/>
-          </a:bodyPr>
-          <a:lstStyle/>
-          <a:p>
-            <a:r>
-              <a:rPr lang="fr-BE" sz="2800" dirty="0" err="1">
-                <a:solidFill>
-                  <a:schemeClr val="accent1">
-                    <a:lumMod val="75000"/>
-                  </a:schemeClr>
-                </a:solidFill>
-              </a:rPr>
-              <a:t>Jdemetra-app</a:t>
-            </a:r>
-            <a:endParaRPr lang="en-GB" sz="2800" dirty="0">
-              <a:solidFill>
-                <a:schemeClr val="accent1">
-                  <a:lumMod val="75000"/>
-                </a:schemeClr>
-              </a:solidFill>
-            </a:endParaRPr>
-          </a:p>
-        </p:txBody>
-      </p:sp>
-      <p:sp>
-        <p:nvSpPr>
-          <p:cNvPr id="58" name="Rectangle 57"/>
-          <p:cNvSpPr/>
-          <p:nvPr/>
-        </p:nvSpPr>
-        <p:spPr>
-          <a:xfrm>
-            <a:off x="4716016" y="2420781"/>
-            <a:ext cx="1152128" cy="805749"/>
-          </a:xfrm>
-          <a:prstGeom prst="rect">
-            <a:avLst/>
-          </a:prstGeom>
-          <a:solidFill>
-            <a:srgbClr val="FFE48F"/>
-          </a:solidFill>
-        </p:spPr>
-        <p:style>
-          <a:lnRef idx="2">
-            <a:schemeClr val="accent1">
-              <a:shade val="50000"/>
-            </a:schemeClr>
-          </a:lnRef>
-          <a:fillRef idx="1">
-            <a:schemeClr val="accent1"/>
-          </a:fillRef>
-          <a:effectRef idx="0">
-            <a:schemeClr val="accent1"/>
-          </a:effectRef>
-          <a:fontRef idx="minor">
-            <a:schemeClr val="lt1"/>
-          </a:fontRef>
-        </p:style>
-        <p:txBody>
-          <a:bodyPr vert="horz" rtlCol="0" anchor="ctr"/>
-          <a:lstStyle/>
-          <a:p>
-            <a:pPr algn="ctr"/>
-            <a:r>
-              <a:rPr lang="fr-BE" sz="1800" dirty="0" err="1">
-                <a:solidFill>
-                  <a:schemeClr val="tx1">
-                    <a:lumMod val="95000"/>
-                    <a:lumOff val="5000"/>
-                  </a:schemeClr>
-                </a:solidFill>
-              </a:rPr>
-              <a:t>Cruncher</a:t>
-            </a:r>
-            <a:endParaRPr lang="en-GB" sz="1800" dirty="0">
-              <a:solidFill>
-                <a:schemeClr val="tx1">
-                  <a:lumMod val="95000"/>
-                  <a:lumOff val="5000"/>
-                </a:schemeClr>
-              </a:solidFill>
-            </a:endParaRPr>
-          </a:p>
-        </p:txBody>
-      </p:sp>
-      <p:cxnSp>
-        <p:nvCxnSpPr>
-          <p:cNvPr id="60" name="Elbow Connector 59"/>
-          <p:cNvCxnSpPr>
-            <a:stCxn id="58" idx="0"/>
-            <a:endCxn id="3" idx="3"/>
-          </p:cNvCxnSpPr>
-          <p:nvPr/>
-        </p:nvCxnSpPr>
-        <p:spPr bwMode="auto">
-          <a:xfrm rot="16200000" flipV="1">
-            <a:off x="4747573" y="1876273"/>
-            <a:ext cx="170912" cy="918103"/>
-          </a:xfrm>
-          <a:prstGeom prst="bentConnector2">
-            <a:avLst/>
-          </a:prstGeom>
-          <a:solidFill>
-            <a:schemeClr val="accent1"/>
-          </a:solidFill>
-          <a:ln w="9525" cap="flat" cmpd="sng" algn="ctr">
-            <a:solidFill>
-              <a:schemeClr val="tx1"/>
-            </a:solidFill>
-            <a:prstDash val="solid"/>
-            <a:round/>
-            <a:headEnd type="none" w="med" len="med"/>
-            <a:tailEnd type="arrow"/>
-          </a:ln>
-          <a:effectLst/>
-        </p:spPr>
-      </p:cxnSp>
-      <p:cxnSp>
-        <p:nvCxnSpPr>
-          <p:cNvPr id="63" name="Elbow Connector 62"/>
-          <p:cNvCxnSpPr>
-            <a:stCxn id="58" idx="2"/>
-            <a:endCxn id="4" idx="3"/>
-          </p:cNvCxnSpPr>
-          <p:nvPr/>
-        </p:nvCxnSpPr>
-        <p:spPr bwMode="auto">
-          <a:xfrm rot="5400000">
-            <a:off x="4763298" y="2837210"/>
-            <a:ext cx="139463" cy="918103"/>
-          </a:xfrm>
-          <a:prstGeom prst="bentConnector2">
-            <a:avLst/>
-          </a:prstGeom>
-          <a:solidFill>
-            <a:schemeClr val="accent1"/>
-          </a:solidFill>
-          <a:ln w="9525" cap="flat" cmpd="sng" algn="ctr">
-            <a:solidFill>
-              <a:schemeClr val="tx1"/>
-            </a:solidFill>
-            <a:prstDash val="solid"/>
-            <a:round/>
-            <a:headEnd type="none" w="med" len="med"/>
-            <a:tailEnd type="arrow"/>
-          </a:ln>
-          <a:effectLst/>
-        </p:spPr>
-      </p:cxnSp>
-      <p:sp>
-        <p:nvSpPr>
-          <p:cNvPr id="13" name="Date Placeholder 12"/>
-          <p:cNvSpPr>
-            <a:spLocks noGrp="1"/>
-          </p:cNvSpPr>
-          <p:nvPr>
-            <p:ph type="dt" sz="half" idx="10"/>
-          </p:nvPr>
-        </p:nvSpPr>
-        <p:spPr/>
-        <p:txBody>
-          <a:bodyPr/>
-          <a:lstStyle/>
-          <a:p>
-            <a:r>
-              <a:rPr lang="fr-FR"/>
-              <a:t>17-19/10/2023</a:t>
-            </a:r>
-            <a:endParaRPr lang="en-US" dirty="0"/>
-          </a:p>
-        </p:txBody>
-      </p:sp>
-      <p:sp>
-        <p:nvSpPr>
-          <p:cNvPr id="18" name="Footer Placeholder 17"/>
-          <p:cNvSpPr>
-            <a:spLocks noGrp="1"/>
-          </p:cNvSpPr>
-          <p:nvPr>
-            <p:ph type="ftr" sz="quarter" idx="11"/>
-          </p:nvPr>
-        </p:nvSpPr>
-        <p:spPr/>
-        <p:txBody>
-          <a:bodyPr/>
-          <a:lstStyle/>
-          <a:p>
-            <a:r>
-              <a:rPr lang="en-US"/>
-              <a:t>ESTP Training. JD+ Overview</a:t>
-            </a:r>
-            <a:endParaRPr lang="en-US" dirty="0"/>
-          </a:p>
-        </p:txBody>
-      </p:sp>
-      <p:sp>
-        <p:nvSpPr>
-          <p:cNvPr id="21" name="Slide Number Placeholder 20"/>
-          <p:cNvSpPr>
-            <a:spLocks noGrp="1"/>
-          </p:cNvSpPr>
-          <p:nvPr>
-            <p:ph type="sldNum" sz="quarter" idx="12"/>
-          </p:nvPr>
-        </p:nvSpPr>
-        <p:spPr/>
-        <p:txBody>
-          <a:bodyPr/>
-          <a:lstStyle/>
-          <a:p>
-            <a:fld id="{627CDA0C-01AE-4E2F-8829-AAF8EAAF9DB3}" type="slidenum">
-              <a:rPr lang="en-US" smtClean="0"/>
-              <a:pPr/>
-              <a:t>7</a:t>
-            </a:fld>
-            <a:endParaRPr lang="en-US" dirty="0"/>
-          </a:p>
-        </p:txBody>
-      </p:sp>
-    </p:spTree>
-    <p:extLst>
-      <p:ext uri="{BB962C8B-B14F-4D97-AF65-F5344CB8AC3E}">
-        <p14:creationId xmlns:p14="http://schemas.microsoft.com/office/powerpoint/2010/main" val="1399654335"/>
-      </p:ext>
-    </p:extLst>
-  </p:cSld>
-  <p:clrMapOvr>
-    <a:masterClrMapping/>
-  </p:clrMapOvr>
-  <p:timing>
-    <p:tnLst>
-      <p:par>
-        <p:cTn id="1" dur="indefinite" restart="never" nodeType="tmRoot">
-          <p:childTnLst>
-            <p:seq concurrent="1" nextAc="seek">
-              <p:cTn id="2" dur="indefinite" nodeType="mainSeq">
-                <p:childTnLst>
-                  <p:par>
-                    <p:cTn id="3" fill="hold">
-                      <p:stCondLst>
-                        <p:cond delay="indefinite"/>
-                      </p:stCondLst>
-                      <p:childTnLst>
-                        <p:par>
-                          <p:cTn id="4" fill="hold">
-                            <p:stCondLst>
-                              <p:cond delay="0"/>
-                            </p:stCondLst>
-                            <p:childTnLst>
-                              <p:par>
-                                <p:cTn id="5" presetID="1" presetClass="entr" presetSubtype="0" fill="hold" grpId="0" nodeType="clickEffect">
-                                  <p:stCondLst>
-                                    <p:cond delay="0"/>
-                                  </p:stCondLst>
-                                  <p:childTnLst>
-                                    <p:set>
-                                      <p:cBhvr>
-                                        <p:cTn id="6" dur="1" fill="hold">
-                                          <p:stCondLst>
-                                            <p:cond delay="0"/>
-                                          </p:stCondLst>
-                                        </p:cTn>
-                                        <p:tgtEl>
-                                          <p:spTgt spid="51"/>
-                                        </p:tgtEl>
-                                        <p:attrNameLst>
-                                          <p:attrName>style.visibility</p:attrName>
-                                        </p:attrNameLst>
-                                      </p:cBhvr>
-                                      <p:to>
-                                        <p:strVal val="visible"/>
-                                      </p:to>
-                                    </p:set>
-                                  </p:childTnLst>
-                                </p:cTn>
-                              </p:par>
-                              <p:par>
-                                <p:cTn id="7" presetID="1" presetClass="entr" presetSubtype="0" fill="hold" grpId="0" nodeType="withEffect">
-                                  <p:stCondLst>
-                                    <p:cond delay="0"/>
-                                  </p:stCondLst>
-                                  <p:childTnLst>
-                                    <p:set>
-                                      <p:cBhvr>
-                                        <p:cTn id="8" dur="1" fill="hold">
-                                          <p:stCondLst>
-                                            <p:cond delay="0"/>
-                                          </p:stCondLst>
-                                        </p:cTn>
-                                        <p:tgtEl>
-                                          <p:spTgt spid="19"/>
-                                        </p:tgtEl>
-                                        <p:attrNameLst>
-                                          <p:attrName>style.visibility</p:attrName>
-                                        </p:attrNameLst>
-                                      </p:cBhvr>
-                                      <p:to>
-                                        <p:strVal val="visible"/>
-                                      </p:to>
-                                    </p:set>
-                                  </p:childTnLst>
-                                </p:cTn>
-                              </p:par>
-                            </p:childTnLst>
-                          </p:cTn>
-                        </p:par>
-                      </p:childTnLst>
-                    </p:cTn>
-                  </p:par>
-                  <p:par>
-                    <p:cTn id="9" fill="hold">
-                      <p:stCondLst>
-                        <p:cond delay="indefinite"/>
-                      </p:stCondLst>
-                      <p:childTnLst>
-                        <p:par>
-                          <p:cTn id="10" fill="hold">
-                            <p:stCondLst>
-                              <p:cond delay="0"/>
-                            </p:stCondLst>
-                            <p:childTnLst>
-                              <p:par>
-                                <p:cTn id="11" presetID="1" presetClass="entr" presetSubtype="0" fill="hold" grpId="0" nodeType="clickEffect">
-                                  <p:stCondLst>
-                                    <p:cond delay="0"/>
-                                  </p:stCondLst>
-                                  <p:childTnLst>
-                                    <p:set>
-                                      <p:cBhvr>
-                                        <p:cTn id="12" dur="1" fill="hold">
-                                          <p:stCondLst>
-                                            <p:cond delay="0"/>
-                                          </p:stCondLst>
-                                        </p:cTn>
-                                        <p:tgtEl>
-                                          <p:spTgt spid="52"/>
-                                        </p:tgtEl>
-                                        <p:attrNameLst>
-                                          <p:attrName>style.visibility</p:attrName>
-                                        </p:attrNameLst>
-                                      </p:cBhvr>
-                                      <p:to>
-                                        <p:strVal val="visible"/>
-                                      </p:to>
-                                    </p:set>
-                                  </p:childTnLst>
-                                </p:cTn>
-                              </p:par>
-                              <p:par>
-                                <p:cTn id="13" presetID="1" presetClass="entr" presetSubtype="0" fill="hold" grpId="0" nodeType="withEffect">
-                                  <p:stCondLst>
-                                    <p:cond delay="0"/>
-                                  </p:stCondLst>
-                                  <p:childTnLst>
-                                    <p:set>
-                                      <p:cBhvr>
-                                        <p:cTn id="14" dur="1" fill="hold">
-                                          <p:stCondLst>
-                                            <p:cond delay="0"/>
-                                          </p:stCondLst>
-                                        </p:cTn>
-                                        <p:tgtEl>
-                                          <p:spTgt spid="20"/>
-                                        </p:tgtEl>
-                                        <p:attrNameLst>
-                                          <p:attrName>style.visibility</p:attrName>
-                                        </p:attrNameLst>
-                                      </p:cBhvr>
-                                      <p:to>
-                                        <p:strVal val="visible"/>
-                                      </p:to>
-                                    </p:set>
-                                  </p:childTnLst>
-                                </p:cTn>
-                              </p:par>
-                            </p:childTnLst>
-                          </p:cTn>
-                        </p:par>
-                      </p:childTnLst>
-                    </p:cTn>
-                  </p:par>
-                  <p:par>
-                    <p:cTn id="15" fill="hold">
-                      <p:stCondLst>
-                        <p:cond delay="indefinite"/>
-                      </p:stCondLst>
-                      <p:childTnLst>
-                        <p:par>
-                          <p:cTn id="16" fill="hold">
-                            <p:stCondLst>
-                              <p:cond delay="0"/>
-                            </p:stCondLst>
-                            <p:childTnLst>
-                              <p:par>
-                                <p:cTn id="17" presetID="1" presetClass="entr" presetSubtype="0" fill="hold" grpId="0" nodeType="clickEffect">
-                                  <p:stCondLst>
-                                    <p:cond delay="0"/>
-                                  </p:stCondLst>
-                                  <p:childTnLst>
-                                    <p:set>
-                                      <p:cBhvr>
-                                        <p:cTn id="18" dur="1" fill="hold">
-                                          <p:stCondLst>
-                                            <p:cond delay="0"/>
-                                          </p:stCondLst>
-                                        </p:cTn>
-                                        <p:tgtEl>
-                                          <p:spTgt spid="3"/>
-                                        </p:tgtEl>
-                                        <p:attrNameLst>
-                                          <p:attrName>style.visibility</p:attrName>
-                                        </p:attrNameLst>
-                                      </p:cBhvr>
-                                      <p:to>
-                                        <p:strVal val="visible"/>
-                                      </p:to>
-                                    </p:set>
-                                  </p:childTnLst>
-                                </p:cTn>
-                              </p:par>
-                            </p:childTnLst>
-                          </p:cTn>
-                        </p:par>
-                      </p:childTnLst>
-                    </p:cTn>
-                  </p:par>
-                  <p:par>
-                    <p:cTn id="19" fill="hold">
-                      <p:stCondLst>
-                        <p:cond delay="indefinite"/>
-                      </p:stCondLst>
-                      <p:childTnLst>
-                        <p:par>
-                          <p:cTn id="20" fill="hold">
-                            <p:stCondLst>
-                              <p:cond delay="0"/>
-                            </p:stCondLst>
-                            <p:childTnLst>
-                              <p:par>
-                                <p:cTn id="21" presetID="1" presetClass="entr" presetSubtype="0" fill="hold" grpId="0" nodeType="clickEffect">
-                                  <p:stCondLst>
-                                    <p:cond delay="0"/>
-                                  </p:stCondLst>
-                                  <p:childTnLst>
-                                    <p:set>
-                                      <p:cBhvr>
-                                        <p:cTn id="22" dur="1" fill="hold">
-                                          <p:stCondLst>
-                                            <p:cond delay="0"/>
-                                          </p:stCondLst>
-                                        </p:cTn>
-                                        <p:tgtEl>
-                                          <p:spTgt spid="4"/>
-                                        </p:tgtEl>
-                                        <p:attrNameLst>
-                                          <p:attrName>style.visibility</p:attrName>
-                                        </p:attrNameLst>
-                                      </p:cBhvr>
-                                      <p:to>
-                                        <p:strVal val="visible"/>
-                                      </p:to>
-                                    </p:set>
-                                  </p:childTnLst>
-                                </p:cTn>
-                              </p:par>
-                              <p:par>
-                                <p:cTn id="23" presetID="1" presetClass="entr" presetSubtype="0" fill="hold" nodeType="withEffect">
-                                  <p:stCondLst>
-                                    <p:cond delay="0"/>
-                                  </p:stCondLst>
-                                  <p:childTnLst>
-                                    <p:set>
-                                      <p:cBhvr>
-                                        <p:cTn id="24" dur="1" fill="hold">
-                                          <p:stCondLst>
-                                            <p:cond delay="0"/>
-                                          </p:stCondLst>
-                                        </p:cTn>
-                                        <p:tgtEl>
-                                          <p:spTgt spid="11"/>
-                                        </p:tgtEl>
-                                        <p:attrNameLst>
-                                          <p:attrName>style.visibility</p:attrName>
-                                        </p:attrNameLst>
-                                      </p:cBhvr>
-                                      <p:to>
-                                        <p:strVal val="visible"/>
-                                      </p:to>
-                                    </p:set>
-                                  </p:childTnLst>
-                                </p:cTn>
-                              </p:par>
-                            </p:childTnLst>
-                          </p:cTn>
-                        </p:par>
-                      </p:childTnLst>
-                    </p:cTn>
-                  </p:par>
-                  <p:par>
-                    <p:cTn id="25" fill="hold">
-                      <p:stCondLst>
-                        <p:cond delay="indefinite"/>
-                      </p:stCondLst>
-                      <p:childTnLst>
-                        <p:par>
-                          <p:cTn id="26" fill="hold">
-                            <p:stCondLst>
-                              <p:cond delay="0"/>
-                            </p:stCondLst>
-                            <p:childTnLst>
-                              <p:par>
-                                <p:cTn id="27" presetID="1" presetClass="entr" presetSubtype="0" fill="hold" grpId="0" nodeType="clickEffect">
-                                  <p:stCondLst>
-                                    <p:cond delay="0"/>
-                                  </p:stCondLst>
-                                  <p:childTnLst>
-                                    <p:set>
-                                      <p:cBhvr>
-                                        <p:cTn id="28" dur="1" fill="hold">
-                                          <p:stCondLst>
-                                            <p:cond delay="0"/>
-                                          </p:stCondLst>
-                                        </p:cTn>
-                                        <p:tgtEl>
-                                          <p:spTgt spid="5"/>
-                                        </p:tgtEl>
-                                        <p:attrNameLst>
-                                          <p:attrName>style.visibility</p:attrName>
-                                        </p:attrNameLst>
-                                      </p:cBhvr>
-                                      <p:to>
-                                        <p:strVal val="visible"/>
-                                      </p:to>
-                                    </p:set>
-                                  </p:childTnLst>
-                                </p:cTn>
-                              </p:par>
-                              <p:par>
-                                <p:cTn id="29" presetID="1" presetClass="entr" presetSubtype="0" fill="hold" nodeType="withEffect">
-                                  <p:stCondLst>
-                                    <p:cond delay="0"/>
-                                  </p:stCondLst>
-                                  <p:childTnLst>
-                                    <p:set>
-                                      <p:cBhvr>
-                                        <p:cTn id="30" dur="1" fill="hold">
-                                          <p:stCondLst>
-                                            <p:cond delay="0"/>
-                                          </p:stCondLst>
-                                        </p:cTn>
-                                        <p:tgtEl>
-                                          <p:spTgt spid="6"/>
-                                        </p:tgtEl>
-                                        <p:attrNameLst>
-                                          <p:attrName>style.visibility</p:attrName>
-                                        </p:attrNameLst>
-                                      </p:cBhvr>
-                                      <p:to>
-                                        <p:strVal val="visible"/>
-                                      </p:to>
-                                    </p:set>
-                                  </p:childTnLst>
-                                </p:cTn>
-                              </p:par>
-                            </p:childTnLst>
-                          </p:cTn>
-                        </p:par>
-                      </p:childTnLst>
-                    </p:cTn>
-                  </p:par>
-                  <p:par>
-                    <p:cTn id="31" fill="hold">
-                      <p:stCondLst>
-                        <p:cond delay="indefinite"/>
-                      </p:stCondLst>
-                      <p:childTnLst>
-                        <p:par>
-                          <p:cTn id="32" fill="hold">
-                            <p:stCondLst>
-                              <p:cond delay="0"/>
-                            </p:stCondLst>
-                            <p:childTnLst>
-                              <p:par>
-                                <p:cTn id="33" presetID="1" presetClass="entr" presetSubtype="0" fill="hold" nodeType="clickEffect">
-                                  <p:stCondLst>
-                                    <p:cond delay="0"/>
-                                  </p:stCondLst>
-                                  <p:childTnLst>
-                                    <p:set>
-                                      <p:cBhvr>
-                                        <p:cTn id="34" dur="1" fill="hold">
-                                          <p:stCondLst>
-                                            <p:cond delay="0"/>
-                                          </p:stCondLst>
-                                        </p:cTn>
-                                        <p:tgtEl>
-                                          <p:spTgt spid="60"/>
-                                        </p:tgtEl>
-                                        <p:attrNameLst>
-                                          <p:attrName>style.visibility</p:attrName>
-                                        </p:attrNameLst>
-                                      </p:cBhvr>
-                                      <p:to>
-                                        <p:strVal val="visible"/>
-                                      </p:to>
-                                    </p:set>
-                                  </p:childTnLst>
-                                </p:cTn>
-                              </p:par>
-                              <p:par>
-                                <p:cTn id="35" presetID="1" presetClass="entr" presetSubtype="0" fill="hold" grpId="0" nodeType="withEffect">
-                                  <p:stCondLst>
-                                    <p:cond delay="0"/>
-                                  </p:stCondLst>
-                                  <p:childTnLst>
-                                    <p:set>
-                                      <p:cBhvr>
-                                        <p:cTn id="36" dur="1" fill="hold">
-                                          <p:stCondLst>
-                                            <p:cond delay="0"/>
-                                          </p:stCondLst>
-                                        </p:cTn>
-                                        <p:tgtEl>
-                                          <p:spTgt spid="58"/>
-                                        </p:tgtEl>
-                                        <p:attrNameLst>
-                                          <p:attrName>style.visibility</p:attrName>
-                                        </p:attrNameLst>
-                                      </p:cBhvr>
-                                      <p:to>
-                                        <p:strVal val="visible"/>
-                                      </p:to>
-                                    </p:set>
-                                  </p:childTnLst>
-                                </p:cTn>
-                              </p:par>
-                              <p:par>
-                                <p:cTn id="37" presetID="1" presetClass="entr" presetSubtype="0" fill="hold" nodeType="withEffect">
-                                  <p:stCondLst>
-                                    <p:cond delay="0"/>
-                                  </p:stCondLst>
-                                  <p:childTnLst>
-                                    <p:set>
-                                      <p:cBhvr>
-                                        <p:cTn id="38" dur="1" fill="hold">
-                                          <p:stCondLst>
-                                            <p:cond delay="0"/>
-                                          </p:stCondLst>
-                                        </p:cTn>
-                                        <p:tgtEl>
-                                          <p:spTgt spid="63"/>
-                                        </p:tgtEl>
-                                        <p:attrNameLst>
-                                          <p:attrName>style.visibility</p:attrName>
-                                        </p:attrNameLst>
-                                      </p:cBhvr>
-                                      <p:to>
-                                        <p:strVal val="visible"/>
-                                      </p:to>
-                                    </p:set>
-                                  </p:childTnLst>
-                                </p:cTn>
-                              </p:par>
-                            </p:childTnLst>
-                          </p:cTn>
-                        </p:par>
-                      </p:childTnLst>
-                    </p:cTn>
-                  </p:par>
-                  <p:par>
-                    <p:cTn id="39" fill="hold">
-                      <p:stCondLst>
-                        <p:cond delay="indefinite"/>
-                      </p:stCondLst>
-                      <p:childTnLst>
-                        <p:par>
-                          <p:cTn id="40" fill="hold">
-                            <p:stCondLst>
-                              <p:cond delay="0"/>
-                            </p:stCondLst>
-                            <p:childTnLst>
-                              <p:par>
-                                <p:cTn id="41" presetID="1" presetClass="entr" presetSubtype="0" fill="hold" grpId="0" nodeType="clickEffect">
-                                  <p:stCondLst>
-                                    <p:cond delay="0"/>
-                                  </p:stCondLst>
-                                  <p:childTnLst>
-                                    <p:set>
-                                      <p:cBhvr>
-                                        <p:cTn id="42" dur="1" fill="hold">
-                                          <p:stCondLst>
-                                            <p:cond delay="0"/>
-                                          </p:stCondLst>
-                                        </p:cTn>
-                                        <p:tgtEl>
-                                          <p:spTgt spid="7"/>
-                                        </p:tgtEl>
-                                        <p:attrNameLst>
-                                          <p:attrName>style.visibility</p:attrName>
-                                        </p:attrNameLst>
-                                      </p:cBhvr>
-                                      <p:to>
-                                        <p:strVal val="visible"/>
-                                      </p:to>
-                                    </p:set>
-                                  </p:childTnLst>
-                                </p:cTn>
-                              </p:par>
-                              <p:par>
-                                <p:cTn id="43" presetID="1" presetClass="entr" presetSubtype="0" fill="hold" nodeType="withEffect">
-                                  <p:stCondLst>
-                                    <p:cond delay="0"/>
-                                  </p:stCondLst>
-                                  <p:childTnLst>
-                                    <p:set>
-                                      <p:cBhvr>
-                                        <p:cTn id="44" dur="1" fill="hold">
-                                          <p:stCondLst>
-                                            <p:cond delay="0"/>
-                                          </p:stCondLst>
-                                        </p:cTn>
-                                        <p:tgtEl>
-                                          <p:spTgt spid="12"/>
-                                        </p:tgtEl>
-                                        <p:attrNameLst>
-                                          <p:attrName>style.visibility</p:attrName>
-                                        </p:attrNameLst>
-                                      </p:cBhvr>
-                                      <p:to>
-                                        <p:strVal val="visible"/>
-                                      </p:to>
-                                    </p:set>
-                                  </p:childTnLst>
-                                </p:cTn>
-                              </p:par>
-                              <p:par>
-                                <p:cTn id="45" presetID="1" presetClass="entr" presetSubtype="0" fill="hold" nodeType="withEffect">
-                                  <p:stCondLst>
-                                    <p:cond delay="0"/>
-                                  </p:stCondLst>
-                                  <p:childTnLst>
-                                    <p:set>
-                                      <p:cBhvr>
-                                        <p:cTn id="46" dur="1" fill="hold">
-                                          <p:stCondLst>
-                                            <p:cond delay="0"/>
-                                          </p:stCondLst>
-                                        </p:cTn>
-                                        <p:tgtEl>
-                                          <p:spTgt spid="10"/>
-                                        </p:tgtEl>
-                                        <p:attrNameLst>
-                                          <p:attrName>style.visibility</p:attrName>
-                                        </p:attrNameLst>
-                                      </p:cBhvr>
-                                      <p:to>
-                                        <p:strVal val="visible"/>
-                                      </p:to>
-                                    </p:set>
-                                  </p:childTnLst>
-                                </p:cTn>
-                              </p:par>
-                              <p:par>
-                                <p:cTn id="47" presetID="1" presetClass="entr" presetSubtype="0" fill="hold" grpId="0" nodeType="withEffect">
-                                  <p:stCondLst>
-                                    <p:cond delay="0"/>
-                                  </p:stCondLst>
-                                  <p:childTnLst>
-                                    <p:set>
-                                      <p:cBhvr>
-                                        <p:cTn id="48" dur="1" fill="hold">
-                                          <p:stCondLst>
-                                            <p:cond delay="0"/>
-                                          </p:stCondLst>
-                                        </p:cTn>
-                                        <p:tgtEl>
-                                          <p:spTgt spid="8"/>
-                                        </p:tgtEl>
-                                        <p:attrNameLst>
-                                          <p:attrName>style.visibility</p:attrName>
-                                        </p:attrNameLst>
-                                      </p:cBhvr>
-                                      <p:to>
-                                        <p:strVal val="visible"/>
-                                      </p:to>
-                                    </p:set>
-                                  </p:childTnLst>
-                                </p:cTn>
-                              </p:par>
-                              <p:par>
-                                <p:cTn id="49" presetID="1" presetClass="entr" presetSubtype="0" fill="hold" nodeType="withEffect">
-                                  <p:stCondLst>
-                                    <p:cond delay="0"/>
-                                  </p:stCondLst>
-                                  <p:childTnLst>
-                                    <p:set>
-                                      <p:cBhvr>
-                                        <p:cTn id="50" dur="1" fill="hold">
-                                          <p:stCondLst>
-                                            <p:cond delay="0"/>
-                                          </p:stCondLst>
-                                        </p:cTn>
-                                        <p:tgtEl>
-                                          <p:spTgt spid="9"/>
-                                        </p:tgtEl>
-                                        <p:attrNameLst>
-                                          <p:attrName>style.visibility</p:attrName>
-                                        </p:attrNameLst>
-                                      </p:cBhvr>
-                                      <p:to>
-                                        <p:strVal val="visible"/>
-                                      </p:to>
-                                    </p:set>
-                                  </p:childTnLst>
-                                </p:cTn>
-                              </p:par>
-                            </p:childTnLst>
-                          </p:cTn>
-                        </p:par>
-                      </p:childTnLst>
-                    </p:cTn>
-                  </p:par>
-                  <p:par>
-                    <p:cTn id="51" fill="hold">
-                      <p:stCondLst>
-                        <p:cond delay="indefinite"/>
-                      </p:stCondLst>
-                      <p:childTnLst>
-                        <p:par>
-                          <p:cTn id="52" fill="hold">
-                            <p:stCondLst>
-                              <p:cond delay="0"/>
-                            </p:stCondLst>
-                            <p:childTnLst>
-                              <p:par>
-                                <p:cTn id="53" presetID="1" presetClass="entr" presetSubtype="0" fill="hold" grpId="0" nodeType="clickEffect">
-                                  <p:stCondLst>
-                                    <p:cond delay="0"/>
-                                  </p:stCondLst>
-                                  <p:childTnLst>
-                                    <p:set>
-                                      <p:cBhvr>
-                                        <p:cTn id="54" dur="1" fill="hold">
-                                          <p:stCondLst>
-                                            <p:cond delay="0"/>
-                                          </p:stCondLst>
-                                        </p:cTn>
-                                        <p:tgtEl>
-                                          <p:spTgt spid="14"/>
-                                        </p:tgtEl>
-                                        <p:attrNameLst>
-                                          <p:attrName>style.visibility</p:attrName>
-                                        </p:attrNameLst>
-                                      </p:cBhvr>
-                                      <p:to>
-                                        <p:strVal val="visible"/>
-                                      </p:to>
-                                    </p:set>
-                                  </p:childTnLst>
-                                </p:cTn>
-                              </p:par>
-                              <p:par>
-                                <p:cTn id="55" presetID="1" presetClass="entr" presetSubtype="0" fill="hold" nodeType="withEffect">
-                                  <p:stCondLst>
-                                    <p:cond delay="0"/>
-                                  </p:stCondLst>
-                                  <p:childTnLst>
-                                    <p:set>
-                                      <p:cBhvr>
-                                        <p:cTn id="56" dur="1" fill="hold">
-                                          <p:stCondLst>
-                                            <p:cond delay="0"/>
-                                          </p:stCondLst>
-                                        </p:cTn>
-                                        <p:tgtEl>
-                                          <p:spTgt spid="16"/>
-                                        </p:tgtEl>
-                                        <p:attrNameLst>
-                                          <p:attrName>style.visibility</p:attrName>
-                                        </p:attrNameLst>
-                                      </p:cBhvr>
-                                      <p:to>
-                                        <p:strVal val="visible"/>
-                                      </p:to>
-                                    </p:set>
-                                  </p:childTnLst>
-                                </p:cTn>
-                              </p:par>
-                              <p:par>
-                                <p:cTn id="57" presetID="1" presetClass="entr" presetSubtype="0" fill="hold" grpId="0" nodeType="withEffect">
-                                  <p:stCondLst>
-                                    <p:cond delay="0"/>
-                                  </p:stCondLst>
-                                  <p:childTnLst>
-                                    <p:set>
-                                      <p:cBhvr>
-                                        <p:cTn id="58" dur="1" fill="hold">
-                                          <p:stCondLst>
-                                            <p:cond delay="0"/>
-                                          </p:stCondLst>
-                                        </p:cTn>
-                                        <p:tgtEl>
-                                          <p:spTgt spid="15"/>
-                                        </p:tgtEl>
-                                        <p:attrNameLst>
-                                          <p:attrName>style.visibility</p:attrName>
-                                        </p:attrNameLst>
-                                      </p:cBhvr>
-                                      <p:to>
-                                        <p:strVal val="visible"/>
-                                      </p:to>
-                                    </p:set>
-                                  </p:childTnLst>
-                                </p:cTn>
-                              </p:par>
-                              <p:par>
-                                <p:cTn id="59" presetID="1" presetClass="entr" presetSubtype="0" fill="hold" nodeType="withEffect">
-                                  <p:stCondLst>
-                                    <p:cond delay="0"/>
-                                  </p:stCondLst>
-                                  <p:childTnLst>
-                                    <p:set>
-                                      <p:cBhvr>
-                                        <p:cTn id="60" dur="1" fill="hold">
-                                          <p:stCondLst>
-                                            <p:cond delay="0"/>
-                                          </p:stCondLst>
-                                        </p:cTn>
-                                        <p:tgtEl>
-                                          <p:spTgt spid="17"/>
-                                        </p:tgtEl>
-                                        <p:attrNameLst>
-                                          <p:attrName>style.visibility</p:attrName>
-                                        </p:attrNameLst>
-                                      </p:cBhvr>
-                                      <p:to>
-                                        <p:strVal val="visible"/>
-                                      </p:to>
-                                    </p:set>
-                                  </p:childTnLst>
-                                </p:cTn>
-                              </p:par>
-                            </p:childTnLst>
-                          </p:cTn>
-                        </p:par>
-                      </p:childTnLst>
-                    </p:cTn>
-                  </p:par>
-                </p:childTnLst>
-              </p:cTn>
-              <p:prevCondLst>
-                <p:cond evt="onPrev" delay="0">
-                  <p:tgtEl>
-                    <p:sldTgt/>
-                  </p:tgtEl>
-                </p:cond>
-              </p:prevCondLst>
-              <p:nextCondLst>
-                <p:cond evt="onNext" delay="0">
-                  <p:tgtEl>
-                    <p:sldTgt/>
-                  </p:tgtEl>
-                </p:cond>
-              </p:nextCondLst>
-            </p:seq>
-          </p:childTnLst>
-        </p:cTn>
-      </p:par>
-    </p:tnLst>
-    <p:bldLst>
-      <p:bldP spid="52" grpId="0" animBg="1"/>
-      <p:bldP spid="51" grpId="0" animBg="1"/>
-      <p:bldP spid="3" grpId="0" animBg="1"/>
-      <p:bldP spid="4" grpId="0" animBg="1"/>
-      <p:bldP spid="5" grpId="0" animBg="1"/>
-      <p:bldP spid="7" grpId="0" animBg="1"/>
-      <p:bldP spid="8" grpId="0" animBg="1"/>
-      <p:bldP spid="14" grpId="0" animBg="1"/>
-      <p:bldP spid="15" grpId="0" animBg="1"/>
-      <p:bldP spid="19" grpId="0"/>
-      <p:bldP spid="20" grpId="0"/>
-      <p:bldP spid="58" grpId="0" animBg="1"/>
-    </p:bldLst>
-  </p:timing>
-</p:sld>
-</file>
-
-<file path=ppt/slides/slide8.xml><?xml version="1.0" encoding="utf-8"?>
-<p:sld xmlns:a="http://schemas.openxmlformats.org/drawingml/2006/main" xmlns:r="http://schemas.openxmlformats.org/officeDocument/2006/relationships" xmlns:p="http://schemas.openxmlformats.org/presentationml/2006/main">
-  <p:cSld>
-    <p:spTree>
-      <p:nvGrpSpPr>
-        <p:cNvPr id="1" name=""/>
-        <p:cNvGrpSpPr/>
-        <p:nvPr/>
-      </p:nvGrpSpPr>
-      <p:grpSpPr>
-        <a:xfrm>
-          <a:off x="0" y="0"/>
-          <a:ext cx="0" cy="0"/>
-          <a:chOff x="0" y="0"/>
-          <a:chExt cx="0" cy="0"/>
-        </a:xfrm>
-      </p:grpSpPr>
-      <p:sp>
-        <p:nvSpPr>
           <p:cNvPr id="2" name="Title 1"/>
           <p:cNvSpPr>
             <a:spLocks noGrp="1"/>
@@ -11377,28 +7552,22 @@
         <p:spPr/>
         <p:txBody>
           <a:bodyPr>
-            <a:normAutofit fontScale="90000"/>
+            <a:normAutofit/>
           </a:bodyPr>
           <a:lstStyle/>
           <a:p>
+            <a:pPr algn="l"/>
             <a:r>
               <a:rPr lang="fr-BE" dirty="0"/>
-              <a:t>Architecture (II). </a:t>
-            </a:r>
-            <a:br>
+              <a:t>3. </a:t>
+            </a:r>
+            <a:r>
+              <a:rPr lang="fr-BE" dirty="0" err="1"/>
+              <a:t>Statistical</a:t>
+            </a:r>
+            <a:r>
               <a:rPr lang="fr-BE" dirty="0"/>
-            </a:br>
-            <a:r>
-              <a:rPr lang="fr-BE" dirty="0" err="1"/>
-              <a:t>Algorithmic</a:t>
-            </a:r>
-            <a:r>
-              <a:rPr lang="fr-BE" dirty="0"/>
-              <a:t> </a:t>
-            </a:r>
-            <a:r>
-              <a:rPr lang="fr-BE" dirty="0" err="1"/>
-              <a:t>libraries</a:t>
+              <a:t> content</a:t>
             </a:r>
             <a:endParaRPr lang="en-US" dirty="0"/>
           </a:p>
@@ -11531,7 +7700,7 @@
             <a:fld id="{627CDA0C-01AE-4E2F-8829-AAF8EAAF9DB3}" type="slidenum">
               <a:rPr lang="en-US" smtClean="0"/>
               <a:pPr/>
-              <a:t>8</a:t>
+              <a:t>7</a:t>
             </a:fld>
             <a:endParaRPr lang="en-US" dirty="0"/>
           </a:p>
@@ -13762,7 +9931,7 @@
 </p:sld>
 </file>
 
-<file path=ppt/slides/slide9.xml><?xml version="1.0" encoding="utf-8"?>
+<file path=ppt/slides/slide8.xml><?xml version="1.0" encoding="utf-8"?>
 <p:sld xmlns:a="http://schemas.openxmlformats.org/drawingml/2006/main" xmlns:r="http://schemas.openxmlformats.org/officeDocument/2006/relationships" xmlns:p="http://schemas.openxmlformats.org/presentationml/2006/main">
   <p:cSld>
     <p:spTree>
@@ -13799,9 +9968,10 @@
           <a:bodyPr/>
           <a:lstStyle/>
           <a:p>
+            <a:pPr algn="l"/>
             <a:r>
               <a:rPr lang="en-GB" b="0" dirty="0"/>
-              <a:t>Seasonal adjustment framework</a:t>
+              <a:t>4. Seasonal adjustment framework</a:t>
             </a:r>
           </a:p>
         </p:txBody>
@@ -15553,7 +11723,7 @@
           <a:p>
             <a:fld id="{627CDA0C-01AE-4E2F-8829-AAF8EAAF9DB3}" type="slidenum">
               <a:rPr lang="en-US" smtClean="0"/>
-              <a:t>9</a:t>
+              <a:t>8</a:t>
             </a:fld>
             <a:endParaRPr lang="en-US"/>
           </a:p>
@@ -16121,6 +12291,355 @@
       <p:bldP spid="48" grpId="0" animBg="1"/>
       <p:bldP spid="64" grpId="0" animBg="1"/>
       <p:bldP spid="65" grpId="0" animBg="1"/>
+    </p:bldLst>
+  </p:timing>
+</p:sld>
+</file>
+
+<file path=ppt/slides/slide9.xml><?xml version="1.0" encoding="utf-8"?>
+<p:sld xmlns:a="http://schemas.openxmlformats.org/drawingml/2006/main" xmlns:r="http://schemas.openxmlformats.org/officeDocument/2006/relationships" xmlns:p="http://schemas.openxmlformats.org/presentationml/2006/main">
+  <p:cSld>
+    <p:spTree>
+      <p:nvGrpSpPr>
+        <p:cNvPr id="1" name=""/>
+        <p:cNvGrpSpPr/>
+        <p:nvPr/>
+      </p:nvGrpSpPr>
+      <p:grpSpPr>
+        <a:xfrm>
+          <a:off x="0" y="0"/>
+          <a:ext cx="0" cy="0"/>
+          <a:chOff x="0" y="0"/>
+          <a:chExt cx="0" cy="0"/>
+        </a:xfrm>
+      </p:grpSpPr>
+      <p:sp>
+        <p:nvSpPr>
+          <p:cNvPr id="2" name="Title 1"/>
+          <p:cNvSpPr>
+            <a:spLocks noGrp="1"/>
+          </p:cNvSpPr>
+          <p:nvPr>
+            <p:ph type="title"/>
+          </p:nvPr>
+        </p:nvSpPr>
+        <p:spPr/>
+        <p:txBody>
+          <a:bodyPr/>
+          <a:lstStyle/>
+          <a:p>
+            <a:pPr algn="l"/>
+            <a:r>
+              <a:rPr lang="en-GB" b="0" dirty="0"/>
+              <a:t>5. Final remarks</a:t>
+            </a:r>
+          </a:p>
+        </p:txBody>
+      </p:sp>
+      <p:sp>
+        <p:nvSpPr>
+          <p:cNvPr id="3" name="Content Placeholder 2"/>
+          <p:cNvSpPr>
+            <a:spLocks noGrp="1"/>
+          </p:cNvSpPr>
+          <p:nvPr>
+            <p:ph idx="1"/>
+          </p:nvPr>
+        </p:nvSpPr>
+        <p:spPr/>
+        <p:txBody>
+          <a:bodyPr>
+            <a:normAutofit fontScale="85000" lnSpcReduction="20000"/>
+          </a:bodyPr>
+          <a:lstStyle/>
+          <a:p>
+            <a:r>
+              <a:rPr lang="en-GB" dirty="0"/>
+              <a:t>JD+ is a complete re-factoring of </a:t>
+            </a:r>
+            <a:r>
+              <a:rPr lang="en-GB" dirty="0" err="1"/>
+              <a:t>Tramo</a:t>
+            </a:r>
+            <a:r>
+              <a:rPr lang="en-GB" dirty="0"/>
+              <a:t>-Seats an of X12-Arima in an open OO framework. In some cases, the new algorithms may lead to (usually slightly) different results .</a:t>
+            </a:r>
+          </a:p>
+          <a:p>
+            <a:endParaRPr lang="en-GB" dirty="0"/>
+          </a:p>
+          <a:p>
+            <a:r>
+              <a:rPr lang="en-GB" dirty="0"/>
+              <a:t>JD+ is also designed for the handling of related time series problems, especially through a rich state space library.</a:t>
+            </a:r>
+          </a:p>
+          <a:p>
+            <a:endParaRPr lang="en-GB" dirty="0"/>
+          </a:p>
+          <a:p>
+            <a:r>
+              <a:rPr lang="en-GB" dirty="0"/>
+              <a:t>By developing it as an open source solution, we have tried to create an environment appropriate to external collaborations.</a:t>
+            </a:r>
+          </a:p>
+          <a:p>
+            <a:endParaRPr lang="en-GB" dirty="0"/>
+          </a:p>
+        </p:txBody>
+      </p:sp>
+      <p:sp>
+        <p:nvSpPr>
+          <p:cNvPr id="4" name="Date Placeholder 3"/>
+          <p:cNvSpPr>
+            <a:spLocks noGrp="1"/>
+          </p:cNvSpPr>
+          <p:nvPr>
+            <p:ph type="dt" sz="half" idx="10"/>
+          </p:nvPr>
+        </p:nvSpPr>
+        <p:spPr/>
+        <p:txBody>
+          <a:bodyPr/>
+          <a:lstStyle/>
+          <a:p>
+            <a:r>
+              <a:rPr lang="fr-FR"/>
+              <a:t>17-19/10/2023</a:t>
+            </a:r>
+            <a:endParaRPr lang="en-US"/>
+          </a:p>
+        </p:txBody>
+      </p:sp>
+      <p:sp>
+        <p:nvSpPr>
+          <p:cNvPr id="5" name="Footer Placeholder 4"/>
+          <p:cNvSpPr>
+            <a:spLocks noGrp="1"/>
+          </p:cNvSpPr>
+          <p:nvPr>
+            <p:ph type="ftr" sz="quarter" idx="11"/>
+          </p:nvPr>
+        </p:nvSpPr>
+        <p:spPr/>
+        <p:txBody>
+          <a:bodyPr/>
+          <a:lstStyle/>
+          <a:p>
+            <a:r>
+              <a:rPr lang="en-US"/>
+              <a:t>ESTP Training. JD+ Overview</a:t>
+            </a:r>
+          </a:p>
+        </p:txBody>
+      </p:sp>
+      <p:sp>
+        <p:nvSpPr>
+          <p:cNvPr id="6" name="Slide Number Placeholder 5"/>
+          <p:cNvSpPr>
+            <a:spLocks noGrp="1"/>
+          </p:cNvSpPr>
+          <p:nvPr>
+            <p:ph type="sldNum" sz="quarter" idx="12"/>
+          </p:nvPr>
+        </p:nvSpPr>
+        <p:spPr/>
+        <p:txBody>
+          <a:bodyPr/>
+          <a:lstStyle/>
+          <a:p>
+            <a:fld id="{627CDA0C-01AE-4E2F-8829-AAF8EAAF9DB3}" type="slidenum">
+              <a:rPr lang="en-US" smtClean="0"/>
+              <a:t>9</a:t>
+            </a:fld>
+            <a:endParaRPr lang="en-US"/>
+          </a:p>
+        </p:txBody>
+      </p:sp>
+    </p:spTree>
+  </p:cSld>
+  <p:clrMapOvr>
+    <a:masterClrMapping/>
+  </p:clrMapOvr>
+  <p:timing>
+    <p:tnLst>
+      <p:par>
+        <p:cTn id="1" dur="indefinite" restart="never" nodeType="tmRoot">
+          <p:childTnLst>
+            <p:seq concurrent="1" nextAc="seek">
+              <p:cTn id="2" dur="indefinite" nodeType="mainSeq">
+                <p:childTnLst>
+                  <p:par>
+                    <p:cTn id="3" fill="hold">
+                      <p:stCondLst>
+                        <p:cond delay="indefinite"/>
+                      </p:stCondLst>
+                      <p:childTnLst>
+                        <p:par>
+                          <p:cTn id="4" fill="hold">
+                            <p:stCondLst>
+                              <p:cond delay="0"/>
+                            </p:stCondLst>
+                            <p:childTnLst>
+                              <p:par>
+                                <p:cTn id="5" presetID="1" presetClass="entr" presetSubtype="0" fill="hold" grpId="0" nodeType="clickEffect">
+                                  <p:stCondLst>
+                                    <p:cond delay="0"/>
+                                  </p:stCondLst>
+                                  <p:childTnLst>
+                                    <p:set>
+                                      <p:cBhvr>
+                                        <p:cTn id="6" dur="1" fill="hold">
+                                          <p:stCondLst>
+                                            <p:cond delay="0"/>
+                                          </p:stCondLst>
+                                        </p:cTn>
+                                        <p:tgtEl>
+                                          <p:spTgt spid="3">
+                                            <p:txEl>
+                                              <p:pRg st="0" end="0"/>
+                                            </p:txEl>
+                                          </p:spTgt>
+                                        </p:tgtEl>
+                                        <p:attrNameLst>
+                                          <p:attrName>style.visibility</p:attrName>
+                                        </p:attrNameLst>
+                                      </p:cBhvr>
+                                      <p:to>
+                                        <p:strVal val="visible"/>
+                                      </p:to>
+                                    </p:set>
+                                  </p:childTnLst>
+                                </p:cTn>
+                              </p:par>
+                            </p:childTnLst>
+                          </p:cTn>
+                        </p:par>
+                      </p:childTnLst>
+                    </p:cTn>
+                  </p:par>
+                  <p:par>
+                    <p:cTn id="7" fill="hold">
+                      <p:stCondLst>
+                        <p:cond delay="indefinite"/>
+                      </p:stCondLst>
+                      <p:childTnLst>
+                        <p:par>
+                          <p:cTn id="8" fill="hold">
+                            <p:stCondLst>
+                              <p:cond delay="0"/>
+                            </p:stCondLst>
+                            <p:childTnLst>
+                              <p:par>
+                                <p:cTn id="9" presetID="1" presetClass="entr" presetSubtype="0" fill="hold" grpId="0" nodeType="clickEffect">
+                                  <p:stCondLst>
+                                    <p:cond delay="0"/>
+                                  </p:stCondLst>
+                                  <p:childTnLst>
+                                    <p:set>
+                                      <p:cBhvr>
+                                        <p:cTn id="10" dur="1" fill="hold">
+                                          <p:stCondLst>
+                                            <p:cond delay="0"/>
+                                          </p:stCondLst>
+                                        </p:cTn>
+                                        <p:tgtEl>
+                                          <p:spTgt spid="3">
+                                            <p:txEl>
+                                              <p:pRg st="2" end="2"/>
+                                            </p:txEl>
+                                          </p:spTgt>
+                                        </p:tgtEl>
+                                        <p:attrNameLst>
+                                          <p:attrName>style.visibility</p:attrName>
+                                        </p:attrNameLst>
+                                      </p:cBhvr>
+                                      <p:to>
+                                        <p:strVal val="visible"/>
+                                      </p:to>
+                                    </p:set>
+                                  </p:childTnLst>
+                                </p:cTn>
+                              </p:par>
+                            </p:childTnLst>
+                          </p:cTn>
+                        </p:par>
+                      </p:childTnLst>
+                    </p:cTn>
+                  </p:par>
+                  <p:par>
+                    <p:cTn id="11" fill="hold">
+                      <p:stCondLst>
+                        <p:cond delay="indefinite"/>
+                      </p:stCondLst>
+                      <p:childTnLst>
+                        <p:par>
+                          <p:cTn id="12" fill="hold">
+                            <p:stCondLst>
+                              <p:cond delay="0"/>
+                            </p:stCondLst>
+                            <p:childTnLst>
+                              <p:par>
+                                <p:cTn id="13" presetID="1" presetClass="entr" presetSubtype="0" fill="hold" grpId="0" nodeType="clickEffect">
+                                  <p:stCondLst>
+                                    <p:cond delay="0"/>
+                                  </p:stCondLst>
+                                  <p:childTnLst>
+                                    <p:set>
+                                      <p:cBhvr>
+                                        <p:cTn id="14" dur="1" fill="hold">
+                                          <p:stCondLst>
+                                            <p:cond delay="0"/>
+                                          </p:stCondLst>
+                                        </p:cTn>
+                                        <p:tgtEl>
+                                          <p:spTgt spid="3">
+                                            <p:txEl>
+                                              <p:pRg st="4" end="4"/>
+                                            </p:txEl>
+                                          </p:spTgt>
+                                        </p:tgtEl>
+                                        <p:attrNameLst>
+                                          <p:attrName>style.visibility</p:attrName>
+                                        </p:attrNameLst>
+                                      </p:cBhvr>
+                                      <p:to>
+                                        <p:strVal val="visible"/>
+                                      </p:to>
+                                    </p:set>
+                                  </p:childTnLst>
+                                </p:cTn>
+                              </p:par>
+                            </p:childTnLst>
+                          </p:cTn>
+                        </p:par>
+                      </p:childTnLst>
+                    </p:cTn>
+                  </p:par>
+                </p:childTnLst>
+              </p:cTn>
+              <p:prevCondLst>
+                <p:cond evt="onPrev" delay="0">
+                  <p:tgtEl>
+                    <p:sldTgt/>
+                  </p:tgtEl>
+                </p:cond>
+              </p:prevCondLst>
+              <p:nextCondLst>
+                <p:cond evt="onNext" delay="0">
+                  <p:tgtEl>
+                    <p:sldTgt/>
+                  </p:tgtEl>
+                </p:cond>
+              </p:nextCondLst>
+            </p:seq>
+          </p:childTnLst>
+        </p:cTn>
+      </p:par>
+    </p:tnLst>
+    <p:bldLst>
+      <p:bldP spid="3" grpId="0" uiExpand="1" build="p"/>
     </p:bldLst>
   </p:timing>
 </p:sld>

--- a/Presentations/1.1 JD+_Overview.pptx
+++ b/Presentations/1.1 JD+_Overview.pptx
@@ -7345,60 +7345,6 @@
           </a:p>
         </p:txBody>
       </p:sp>
-      <p:pic>
-        <p:nvPicPr>
-          <p:cNvPr id="1026" name="Picture 2"/>
-          <p:cNvPicPr>
-            <a:picLocks noChangeAspect="1" noChangeArrowheads="1"/>
-          </p:cNvPicPr>
-          <p:nvPr/>
-        </p:nvPicPr>
-        <p:blipFill>
-          <a:blip r:embed="rId2">
-            <a:extLst>
-              <a:ext uri="{28A0092B-C50C-407E-A947-70E740481C1C}">
-                <a14:useLocalDpi xmlns:a14="http://schemas.microsoft.com/office/drawing/2010/main" val="0"/>
-              </a:ext>
-            </a:extLst>
-          </a:blip>
-          <a:srcRect/>
-          <a:stretch>
-            <a:fillRect/>
-          </a:stretch>
-        </p:blipFill>
-        <p:spPr bwMode="auto">
-          <a:xfrm>
-            <a:off x="323528" y="1838222"/>
-            <a:ext cx="5952660" cy="4032447"/>
-          </a:xfrm>
-          <a:prstGeom prst="rect">
-            <a:avLst/>
-          </a:prstGeom>
-          <a:noFill/>
-          <a:ln>
-            <a:noFill/>
-          </a:ln>
-          <a:extLst>
-            <a:ext uri="{909E8E84-426E-40DD-AFC4-6F175D3DCCD1}">
-              <a14:hiddenFill xmlns:a14="http://schemas.microsoft.com/office/drawing/2010/main">
-                <a:solidFill>
-                  <a:schemeClr val="accent1"/>
-                </a:solidFill>
-              </a14:hiddenFill>
-            </a:ext>
-            <a:ext uri="{91240B29-F687-4F45-9708-019B960494DF}">
-              <a14:hiddenLine xmlns:a14="http://schemas.microsoft.com/office/drawing/2010/main" w="9525">
-                <a:solidFill>
-                  <a:schemeClr val="tx1"/>
-                </a:solidFill>
-                <a:miter lim="800000"/>
-                <a:headEnd/>
-                <a:tailEnd/>
-              </a14:hiddenLine>
-            </a:ext>
-          </a:extLst>
-        </p:spPr>
-      </p:pic>
       <p:sp>
         <p:nvSpPr>
           <p:cNvPr id="3" name="TextBox 2"/>
@@ -7429,7 +7375,7 @@
                     <a:lumOff val="40000"/>
                   </a:schemeClr>
                 </a:solidFill>
-                <a:hlinkClick r:id="rId3"/>
+                <a:hlinkClick r:id="rId2"/>
               </a:rPr>
               <a:t>https://github.com/jdemetra</a:t>
             </a:r>
@@ -7514,6 +7460,41 @@
           </a:p>
         </p:txBody>
       </p:sp>
+      <p:pic>
+        <p:nvPicPr>
+          <p:cNvPr id="9" name="Picture 8">
+            <a:extLst>
+              <a:ext uri="{FF2B5EF4-FFF2-40B4-BE49-F238E27FC236}">
+                <a16:creationId xmlns:a16="http://schemas.microsoft.com/office/drawing/2014/main" id="{0912689C-90CC-756F-0DF8-D42C9146B13A}"/>
+              </a:ext>
+            </a:extLst>
+          </p:cNvPr>
+          <p:cNvPicPr>
+            <a:picLocks noChangeAspect="1"/>
+          </p:cNvPicPr>
+          <p:nvPr/>
+        </p:nvPicPr>
+        <p:blipFill>
+          <a:blip r:embed="rId3"/>
+          <a:stretch>
+            <a:fillRect/>
+          </a:stretch>
+        </p:blipFill>
+        <p:spPr>
+          <a:xfrm>
+            <a:off x="574250" y="1556792"/>
+            <a:ext cx="5542296" cy="3241587"/>
+          </a:xfrm>
+          <a:prstGeom prst="rect">
+            <a:avLst/>
+          </a:prstGeom>
+          <a:ln>
+            <a:solidFill>
+              <a:schemeClr val="tx1"/>
+            </a:solidFill>
+          </a:ln>
+        </p:spPr>
+      </p:pic>
     </p:spTree>
   </p:cSld>
   <p:clrMapOvr>
